--- a/slide/part1.pptx
+++ b/slide/part1.pptx
@@ -255,7 +255,7 @@
           <a:p>
             <a:fld id="{A6E431DA-83A9-BA4B-A104-448117B2FB99}" type="datetimeFigureOut">
               <a:rPr kumimoji="1" lang="ja-JP" altLang="en-US" smtClean="0"/>
-              <a:t>2018/7/10</a:t>
+              <a:t>2018/7/11</a:t>
             </a:fld>
             <a:endParaRPr kumimoji="1" lang="ja-JP" altLang="en-US"/>
           </a:p>
@@ -465,7 +465,7 @@
           <a:p>
             <a:fld id="{A6E431DA-83A9-BA4B-A104-448117B2FB99}" type="datetimeFigureOut">
               <a:rPr kumimoji="1" lang="ja-JP" altLang="en-US" smtClean="0"/>
-              <a:t>2018/7/10</a:t>
+              <a:t>2018/7/11</a:t>
             </a:fld>
             <a:endParaRPr kumimoji="1" lang="ja-JP" altLang="en-US"/>
           </a:p>
@@ -653,7 +653,7 @@
           <a:p>
             <a:fld id="{A6E431DA-83A9-BA4B-A104-448117B2FB99}" type="datetimeFigureOut">
               <a:rPr kumimoji="1" lang="ja-JP" altLang="en-US" smtClean="0"/>
-              <a:t>2018/7/10</a:t>
+              <a:t>2018/7/11</a:t>
             </a:fld>
             <a:endParaRPr kumimoji="1" lang="ja-JP" altLang="en-US"/>
           </a:p>
@@ -831,7 +831,7 @@
           <a:p>
             <a:fld id="{A6E431DA-83A9-BA4B-A104-448117B2FB99}" type="datetimeFigureOut">
               <a:rPr kumimoji="1" lang="ja-JP" altLang="en-US" smtClean="0"/>
-              <a:t>2018/7/10</a:t>
+              <a:t>2018/7/11</a:t>
             </a:fld>
             <a:endParaRPr kumimoji="1" lang="ja-JP" altLang="en-US"/>
           </a:p>
@@ -1142,7 +1142,7 @@
           <a:p>
             <a:fld id="{A6E431DA-83A9-BA4B-A104-448117B2FB99}" type="datetimeFigureOut">
               <a:rPr kumimoji="1" lang="ja-JP" altLang="en-US" smtClean="0"/>
-              <a:t>2018/7/10</a:t>
+              <a:t>2018/7/11</a:t>
             </a:fld>
             <a:endParaRPr kumimoji="1" lang="ja-JP" altLang="en-US"/>
           </a:p>
@@ -1390,7 +1390,7 @@
           <a:p>
             <a:fld id="{A6E431DA-83A9-BA4B-A104-448117B2FB99}" type="datetimeFigureOut">
               <a:rPr kumimoji="1" lang="ja-JP" altLang="en-US" smtClean="0"/>
-              <a:t>2018/7/10</a:t>
+              <a:t>2018/7/11</a:t>
             </a:fld>
             <a:endParaRPr kumimoji="1" lang="ja-JP" altLang="en-US"/>
           </a:p>
@@ -1847,7 +1847,7 @@
           <a:p>
             <a:fld id="{A6E431DA-83A9-BA4B-A104-448117B2FB99}" type="datetimeFigureOut">
               <a:rPr kumimoji="1" lang="ja-JP" altLang="en-US" smtClean="0"/>
-              <a:t>2018/7/10</a:t>
+              <a:t>2018/7/11</a:t>
             </a:fld>
             <a:endParaRPr kumimoji="1" lang="ja-JP" altLang="en-US"/>
           </a:p>
@@ -1965,7 +1965,7 @@
           <a:p>
             <a:fld id="{A6E431DA-83A9-BA4B-A104-448117B2FB99}" type="datetimeFigureOut">
               <a:rPr kumimoji="1" lang="ja-JP" altLang="en-US" smtClean="0"/>
-              <a:t>2018/7/10</a:t>
+              <a:t>2018/7/11</a:t>
             </a:fld>
             <a:endParaRPr kumimoji="1" lang="ja-JP" altLang="en-US"/>
           </a:p>
@@ -2090,7 +2090,7 @@
           <a:p>
             <a:fld id="{A6E431DA-83A9-BA4B-A104-448117B2FB99}" type="datetimeFigureOut">
               <a:rPr kumimoji="1" lang="ja-JP" altLang="en-US" smtClean="0"/>
-              <a:t>2018/7/10</a:t>
+              <a:t>2018/7/11</a:t>
             </a:fld>
             <a:endParaRPr kumimoji="1" lang="ja-JP" altLang="en-US"/>
           </a:p>
@@ -2442,7 +2442,7 @@
           <a:p>
             <a:fld id="{A6E431DA-83A9-BA4B-A104-448117B2FB99}" type="datetimeFigureOut">
               <a:rPr kumimoji="1" lang="ja-JP" altLang="en-US" smtClean="0"/>
-              <a:t>2018/7/10</a:t>
+              <a:t>2018/7/11</a:t>
             </a:fld>
             <a:endParaRPr kumimoji="1" lang="ja-JP" altLang="en-US"/>
           </a:p>
@@ -2736,7 +2736,7 @@
           <a:p>
             <a:fld id="{A6E431DA-83A9-BA4B-A104-448117B2FB99}" type="datetimeFigureOut">
               <a:rPr kumimoji="1" lang="ja-JP" altLang="en-US" smtClean="0"/>
-              <a:t>2018/7/10</a:t>
+              <a:t>2018/7/11</a:t>
             </a:fld>
             <a:endParaRPr kumimoji="1" lang="ja-JP" altLang="en-US"/>
           </a:p>
@@ -2957,7 +2957,7 @@
           <a:p>
             <a:fld id="{A6E431DA-83A9-BA4B-A104-448117B2FB99}" type="datetimeFigureOut">
               <a:rPr kumimoji="1" lang="ja-JP" altLang="en-US" smtClean="0"/>
-              <a:t>2018/7/10</a:t>
+              <a:t>2018/7/11</a:t>
             </a:fld>
             <a:endParaRPr kumimoji="1" lang="ja-JP" altLang="en-US"/>
           </a:p>
@@ -4907,9 +4907,23 @@
                 <a:ea typeface="Gen Shin Gothic" panose="020B0402020203020207" pitchFamily="34" charset="-128"/>
                 <a:cs typeface="Gen Shin Gothic" panose="020B0402020203020207" pitchFamily="34" charset="-128"/>
               </a:rPr>
-              <a:t>はじめの一歩</a:t>
+              <a:t>はじめの</a:t>
+            </a:r>
+            <a:r>
+              <a:rPr lang="ja-JP" altLang="en-US" sz="8000" b="1">
+                <a:solidFill>
+                  <a:schemeClr val="accent1"/>
+                </a:solidFill>
+                <a:latin typeface="Gen Shin Gothic" panose="020B0402020203020207" pitchFamily="34" charset="-128"/>
+                <a:ea typeface="Gen Shin Gothic" panose="020B0402020203020207" pitchFamily="34" charset="-128"/>
+                <a:cs typeface="Gen Shin Gothic" panose="020B0402020203020207" pitchFamily="34" charset="-128"/>
+              </a:rPr>
+              <a:t>一歩</a:t>
             </a:r>
             <a:endParaRPr kumimoji="1" lang="ja-JP" altLang="en-US" sz="8000" b="1">
+              <a:solidFill>
+                <a:schemeClr val="accent1"/>
+              </a:solidFill>
               <a:latin typeface="Gen Shin Gothic" panose="020B0402020203020207" pitchFamily="34" charset="-128"/>
               <a:ea typeface="Gen Shin Gothic" panose="020B0402020203020207" pitchFamily="34" charset="-128"/>
               <a:cs typeface="Gen Shin Gothic" panose="020B0402020203020207" pitchFamily="34" charset="-128"/>
@@ -5176,6 +5190,350 @@
               <a:ea typeface="Gen Shin Gothic Medium" panose="020B0402020203020207" pitchFamily="34" charset="-128"/>
               <a:cs typeface="Gen Shin Gothic Medium" panose="020B0402020203020207" pitchFamily="34" charset="-128"/>
             </a:endParaRPr>
+          </a:p>
+        </p:txBody>
+      </p:sp>
+      <p:sp>
+        <p:nvSpPr>
+          <p:cNvPr id="2" name="正方形/長方形 1">
+            <a:extLst>
+              <a:ext uri="{FF2B5EF4-FFF2-40B4-BE49-F238E27FC236}">
+                <a16:creationId xmlns:a16="http://schemas.microsoft.com/office/drawing/2014/main" id="{CAEE6980-72F9-F54C-8013-6DA0200ECDC6}"/>
+              </a:ext>
+            </a:extLst>
+          </p:cNvPr>
+          <p:cNvSpPr/>
+          <p:nvPr/>
+        </p:nvSpPr>
+        <p:spPr>
+          <a:xfrm>
+            <a:off x="628650" y="2219604"/>
+            <a:ext cx="7886700" cy="1200329"/>
+          </a:xfrm>
+          <a:prstGeom prst="rect">
+            <a:avLst/>
+          </a:prstGeom>
+          <a:solidFill>
+            <a:schemeClr val="tx1"/>
+          </a:solidFill>
+        </p:spPr>
+        <p:txBody>
+          <a:bodyPr wrap="square">
+            <a:spAutoFit/>
+          </a:bodyPr>
+          <a:lstStyle/>
+          <a:p>
+            <a:r>
+              <a:rPr lang="en" altLang="ja-JP" dirty="0">
+                <a:solidFill>
+                  <a:srgbClr val="28FE14"/>
+                </a:solidFill>
+                <a:latin typeface="Andale Mono" panose="020B0509000000000004" pitchFamily="49" charset="0"/>
+              </a:rPr>
+              <a:t>$ </a:t>
+            </a:r>
+            <a:r>
+              <a:rPr lang="en" altLang="ja-JP" dirty="0" err="1">
+                <a:solidFill>
+                  <a:srgbClr val="28FE14"/>
+                </a:solidFill>
+                <a:latin typeface="Andale Mono" panose="020B0509000000000004" pitchFamily="49" charset="0"/>
+              </a:rPr>
+              <a:t>mkdir</a:t>
+            </a:r>
+            <a:r>
+              <a:rPr lang="en" altLang="ja-JP" dirty="0">
+                <a:solidFill>
+                  <a:srgbClr val="28FE14"/>
+                </a:solidFill>
+                <a:latin typeface="Andale Mono" panose="020B0509000000000004" pitchFamily="49" charset="0"/>
+              </a:rPr>
+              <a:t> git-sample</a:t>
+            </a:r>
+          </a:p>
+          <a:p>
+            <a:r>
+              <a:rPr lang="en" altLang="ja-JP" dirty="0">
+                <a:solidFill>
+                  <a:srgbClr val="28FE14"/>
+                </a:solidFill>
+                <a:latin typeface="Andale Mono" panose="020B0509000000000004" pitchFamily="49" charset="0"/>
+              </a:rPr>
+              <a:t>$ cd git-sample</a:t>
+            </a:r>
+          </a:p>
+          <a:p>
+            <a:r>
+              <a:rPr lang="en" altLang="ja-JP" dirty="0">
+                <a:solidFill>
+                  <a:srgbClr val="28FE14"/>
+                </a:solidFill>
+                <a:latin typeface="Andale Mono" panose="020B0509000000000004" pitchFamily="49" charset="0"/>
+              </a:rPr>
+              <a:t>$ git </a:t>
+            </a:r>
+            <a:r>
+              <a:rPr lang="en" altLang="ja-JP" dirty="0" err="1">
+                <a:solidFill>
+                  <a:srgbClr val="28FE14"/>
+                </a:solidFill>
+                <a:latin typeface="Andale Mono" panose="020B0509000000000004" pitchFamily="49" charset="0"/>
+              </a:rPr>
+              <a:t>init</a:t>
+            </a:r>
+            <a:endParaRPr lang="en" altLang="ja-JP" dirty="0">
+              <a:solidFill>
+                <a:srgbClr val="28FE14"/>
+              </a:solidFill>
+              <a:latin typeface="Andale Mono" panose="020B0509000000000004" pitchFamily="49" charset="0"/>
+            </a:endParaRPr>
+          </a:p>
+          <a:p>
+            <a:r>
+              <a:rPr lang="en" altLang="ja-JP" dirty="0">
+                <a:solidFill>
+                  <a:srgbClr val="28FE14"/>
+                </a:solidFill>
+                <a:latin typeface="Andale Mono" panose="020B0509000000000004" pitchFamily="49" charset="0"/>
+              </a:rPr>
+              <a:t>Initialized empty Git repository in /…/git-sample/.git/</a:t>
+            </a:r>
+            <a:endParaRPr lang="en" altLang="ja-JP" dirty="0">
+              <a:solidFill>
+                <a:srgbClr val="28FE14"/>
+              </a:solidFill>
+              <a:effectLst/>
+              <a:latin typeface="Andale Mono" panose="020B0509000000000004" pitchFamily="49" charset="0"/>
+            </a:endParaRPr>
+          </a:p>
+        </p:txBody>
+      </p:sp>
+      <p:sp>
+        <p:nvSpPr>
+          <p:cNvPr id="4" name="コンテンツ プレースホルダー 2">
+            <a:extLst>
+              <a:ext uri="{FF2B5EF4-FFF2-40B4-BE49-F238E27FC236}">
+                <a16:creationId xmlns:a16="http://schemas.microsoft.com/office/drawing/2014/main" id="{A0821C4E-93BE-DA4F-993D-158577CD8818}"/>
+              </a:ext>
+            </a:extLst>
+          </p:cNvPr>
+          <p:cNvSpPr txBox="1">
+            <a:spLocks/>
+          </p:cNvSpPr>
+          <p:nvPr/>
+        </p:nvSpPr>
+        <p:spPr>
+          <a:xfrm>
+            <a:off x="628650" y="3948848"/>
+            <a:ext cx="7886700" cy="2228114"/>
+          </a:xfrm>
+          <a:prstGeom prst="rect">
+            <a:avLst/>
+          </a:prstGeom>
+        </p:spPr>
+        <p:txBody>
+          <a:bodyPr/>
+          <a:lstStyle>
+            <a:lvl1pPr marL="228600" indent="-228600" algn="l" defTabSz="914400" rtl="0" eaLnBrk="1" latinLnBrk="0" hangingPunct="1">
+              <a:lnSpc>
+                <a:spcPct val="90000"/>
+              </a:lnSpc>
+              <a:spcBef>
+                <a:spcPts val="1000"/>
+              </a:spcBef>
+              <a:buFont typeface="Arial" panose="020B0604020202020204" pitchFamily="34" charset="0"/>
+              <a:buChar char="•"/>
+              <a:defRPr kumimoji="1" sz="2800" kern="1200">
+                <a:solidFill>
+                  <a:schemeClr val="tx1"/>
+                </a:solidFill>
+                <a:latin typeface="+mn-lt"/>
+                <a:ea typeface="+mn-ea"/>
+                <a:cs typeface="+mn-cs"/>
+              </a:defRPr>
+            </a:lvl1pPr>
+            <a:lvl2pPr marL="685800" indent="-228600" algn="l" defTabSz="914400" rtl="0" eaLnBrk="1" latinLnBrk="0" hangingPunct="1">
+              <a:lnSpc>
+                <a:spcPct val="90000"/>
+              </a:lnSpc>
+              <a:spcBef>
+                <a:spcPts val="500"/>
+              </a:spcBef>
+              <a:buFont typeface="Arial" panose="020B0604020202020204" pitchFamily="34" charset="0"/>
+              <a:buChar char="•"/>
+              <a:defRPr kumimoji="1" sz="2400" kern="1200">
+                <a:solidFill>
+                  <a:schemeClr val="tx1"/>
+                </a:solidFill>
+                <a:latin typeface="+mn-lt"/>
+                <a:ea typeface="+mn-ea"/>
+                <a:cs typeface="+mn-cs"/>
+              </a:defRPr>
+            </a:lvl2pPr>
+            <a:lvl3pPr marL="1143000" indent="-228600" algn="l" defTabSz="914400" rtl="0" eaLnBrk="1" latinLnBrk="0" hangingPunct="1">
+              <a:lnSpc>
+                <a:spcPct val="90000"/>
+              </a:lnSpc>
+              <a:spcBef>
+                <a:spcPts val="500"/>
+              </a:spcBef>
+              <a:buFont typeface="Arial" panose="020B0604020202020204" pitchFamily="34" charset="0"/>
+              <a:buChar char="•"/>
+              <a:defRPr kumimoji="1" sz="2000" kern="1200">
+                <a:solidFill>
+                  <a:schemeClr val="tx1"/>
+                </a:solidFill>
+                <a:latin typeface="+mn-lt"/>
+                <a:ea typeface="+mn-ea"/>
+                <a:cs typeface="+mn-cs"/>
+              </a:defRPr>
+            </a:lvl3pPr>
+            <a:lvl4pPr marL="1600200" indent="-228600" algn="l" defTabSz="914400" rtl="0" eaLnBrk="1" latinLnBrk="0" hangingPunct="1">
+              <a:lnSpc>
+                <a:spcPct val="90000"/>
+              </a:lnSpc>
+              <a:spcBef>
+                <a:spcPts val="500"/>
+              </a:spcBef>
+              <a:buFont typeface="Arial" panose="020B0604020202020204" pitchFamily="34" charset="0"/>
+              <a:buChar char="•"/>
+              <a:defRPr kumimoji="1" sz="1800" kern="1200">
+                <a:solidFill>
+                  <a:schemeClr val="tx1"/>
+                </a:solidFill>
+                <a:latin typeface="+mn-lt"/>
+                <a:ea typeface="+mn-ea"/>
+                <a:cs typeface="+mn-cs"/>
+              </a:defRPr>
+            </a:lvl4pPr>
+            <a:lvl5pPr marL="2057400" indent="-228600" algn="l" defTabSz="914400" rtl="0" eaLnBrk="1" latinLnBrk="0" hangingPunct="1">
+              <a:lnSpc>
+                <a:spcPct val="90000"/>
+              </a:lnSpc>
+              <a:spcBef>
+                <a:spcPts val="500"/>
+              </a:spcBef>
+              <a:buFont typeface="Arial" panose="020B0604020202020204" pitchFamily="34" charset="0"/>
+              <a:buChar char="•"/>
+              <a:defRPr kumimoji="1" sz="1800" kern="1200">
+                <a:solidFill>
+                  <a:schemeClr val="tx1"/>
+                </a:solidFill>
+                <a:latin typeface="+mn-lt"/>
+                <a:ea typeface="+mn-ea"/>
+                <a:cs typeface="+mn-cs"/>
+              </a:defRPr>
+            </a:lvl5pPr>
+            <a:lvl6pPr marL="2514600" indent="-228600" algn="l" defTabSz="914400" rtl="0" eaLnBrk="1" latinLnBrk="0" hangingPunct="1">
+              <a:lnSpc>
+                <a:spcPct val="90000"/>
+              </a:lnSpc>
+              <a:spcBef>
+                <a:spcPts val="500"/>
+              </a:spcBef>
+              <a:buFont typeface="Arial" panose="020B0604020202020204" pitchFamily="34" charset="0"/>
+              <a:buChar char="•"/>
+              <a:defRPr kumimoji="1" sz="1800" kern="1200">
+                <a:solidFill>
+                  <a:schemeClr val="tx1"/>
+                </a:solidFill>
+                <a:latin typeface="+mn-lt"/>
+                <a:ea typeface="+mn-ea"/>
+                <a:cs typeface="+mn-cs"/>
+              </a:defRPr>
+            </a:lvl6pPr>
+            <a:lvl7pPr marL="2971800" indent="-228600" algn="l" defTabSz="914400" rtl="0" eaLnBrk="1" latinLnBrk="0" hangingPunct="1">
+              <a:lnSpc>
+                <a:spcPct val="90000"/>
+              </a:lnSpc>
+              <a:spcBef>
+                <a:spcPts val="500"/>
+              </a:spcBef>
+              <a:buFont typeface="Arial" panose="020B0604020202020204" pitchFamily="34" charset="0"/>
+              <a:buChar char="•"/>
+              <a:defRPr kumimoji="1" sz="1800" kern="1200">
+                <a:solidFill>
+                  <a:schemeClr val="tx1"/>
+                </a:solidFill>
+                <a:latin typeface="+mn-lt"/>
+                <a:ea typeface="+mn-ea"/>
+                <a:cs typeface="+mn-cs"/>
+              </a:defRPr>
+            </a:lvl7pPr>
+            <a:lvl8pPr marL="3429000" indent="-228600" algn="l" defTabSz="914400" rtl="0" eaLnBrk="1" latinLnBrk="0" hangingPunct="1">
+              <a:lnSpc>
+                <a:spcPct val="90000"/>
+              </a:lnSpc>
+              <a:spcBef>
+                <a:spcPts val="500"/>
+              </a:spcBef>
+              <a:buFont typeface="Arial" panose="020B0604020202020204" pitchFamily="34" charset="0"/>
+              <a:buChar char="•"/>
+              <a:defRPr kumimoji="1" sz="1800" kern="1200">
+                <a:solidFill>
+                  <a:schemeClr val="tx1"/>
+                </a:solidFill>
+                <a:latin typeface="+mn-lt"/>
+                <a:ea typeface="+mn-ea"/>
+                <a:cs typeface="+mn-cs"/>
+              </a:defRPr>
+            </a:lvl8pPr>
+            <a:lvl9pPr marL="3886200" indent="-228600" algn="l" defTabSz="914400" rtl="0" eaLnBrk="1" latinLnBrk="0" hangingPunct="1">
+              <a:lnSpc>
+                <a:spcPct val="90000"/>
+              </a:lnSpc>
+              <a:spcBef>
+                <a:spcPts val="500"/>
+              </a:spcBef>
+              <a:buFont typeface="Arial" panose="020B0604020202020204" pitchFamily="34" charset="0"/>
+              <a:buChar char="•"/>
+              <a:defRPr kumimoji="1" sz="1800" kern="1200">
+                <a:solidFill>
+                  <a:schemeClr val="tx1"/>
+                </a:solidFill>
+                <a:latin typeface="+mn-lt"/>
+                <a:ea typeface="+mn-ea"/>
+                <a:cs typeface="+mn-cs"/>
+              </a:defRPr>
+            </a:lvl9pPr>
+          </a:lstStyle>
+          <a:p>
+            <a:pPr marL="0" indent="0">
+              <a:buFont typeface="Arial" panose="020B0604020202020204" pitchFamily="34" charset="0"/>
+              <a:buNone/>
+            </a:pPr>
+            <a:r>
+              <a:rPr lang="en-US" altLang="ja-JP" dirty="0">
+                <a:latin typeface="Gen Shin Gothic Medium" panose="020B0402020203020207" pitchFamily="34" charset="-128"/>
+                <a:ea typeface="Gen Shin Gothic Medium" panose="020B0402020203020207" pitchFamily="34" charset="-128"/>
+                <a:cs typeface="Gen Shin Gothic Medium" panose="020B0402020203020207" pitchFamily="34" charset="-128"/>
+              </a:rPr>
+              <a:t>※</a:t>
+            </a:r>
+            <a:r>
+              <a:rPr lang="ja-JP" altLang="en-US">
+                <a:latin typeface="Gen Shin Gothic Medium" panose="020B0402020203020207" pitchFamily="34" charset="-128"/>
+                <a:ea typeface="Gen Shin Gothic Medium" panose="020B0402020203020207" pitchFamily="34" charset="-128"/>
+                <a:cs typeface="Gen Shin Gothic Medium" panose="020B0402020203020207" pitchFamily="34" charset="-128"/>
+              </a:rPr>
+              <a:t> コマンドでやっているけど</a:t>
+            </a:r>
+            <a:r>
+              <a:rPr lang="en-US" altLang="ja-JP" dirty="0">
+                <a:latin typeface="Gen Shin Gothic Medium" panose="020B0402020203020207" pitchFamily="34" charset="-128"/>
+                <a:ea typeface="Gen Shin Gothic Medium" panose="020B0402020203020207" pitchFamily="34" charset="-128"/>
+                <a:cs typeface="Gen Shin Gothic Medium" panose="020B0402020203020207" pitchFamily="34" charset="-128"/>
+              </a:rPr>
+              <a:t> GUI </a:t>
+            </a:r>
+            <a:r>
+              <a:rPr lang="ja-JP" altLang="en-US">
+                <a:latin typeface="Gen Shin Gothic Medium" panose="020B0402020203020207" pitchFamily="34" charset="-128"/>
+                <a:ea typeface="Gen Shin Gothic Medium" panose="020B0402020203020207" pitchFamily="34" charset="-128"/>
+                <a:cs typeface="Gen Shin Gothic Medium" panose="020B0402020203020207" pitchFamily="34" charset="-128"/>
+              </a:rPr>
+              <a:t>でもいいよ</a:t>
+            </a:r>
           </a:p>
         </p:txBody>
       </p:sp>

--- a/slide/part1.pptx
+++ b/slide/part1.pptx
@@ -12,12 +12,14 @@
     <p:sldId id="259" r:id="rId6"/>
     <p:sldId id="261" r:id="rId7"/>
     <p:sldId id="262" r:id="rId8"/>
-    <p:sldId id="263" r:id="rId9"/>
-    <p:sldId id="264" r:id="rId10"/>
-    <p:sldId id="265" r:id="rId11"/>
-    <p:sldId id="266" r:id="rId12"/>
-    <p:sldId id="267" r:id="rId13"/>
-    <p:sldId id="268" r:id="rId14"/>
+    <p:sldId id="269" r:id="rId9"/>
+    <p:sldId id="270" r:id="rId10"/>
+    <p:sldId id="263" r:id="rId11"/>
+    <p:sldId id="264" r:id="rId12"/>
+    <p:sldId id="265" r:id="rId13"/>
+    <p:sldId id="266" r:id="rId14"/>
+    <p:sldId id="267" r:id="rId15"/>
+    <p:sldId id="268" r:id="rId16"/>
   </p:sldIdLst>
   <p:sldSz cx="9144000" cy="6858000" type="screen4x3"/>
   <p:notesSz cx="6858000" cy="9144000"/>
@@ -255,7 +257,7 @@
           <a:p>
             <a:fld id="{A6E431DA-83A9-BA4B-A104-448117B2FB99}" type="datetimeFigureOut">
               <a:rPr kumimoji="1" lang="ja-JP" altLang="en-US" smtClean="0"/>
-              <a:t>2018/7/11</a:t>
+              <a:t>2018/7/12</a:t>
             </a:fld>
             <a:endParaRPr kumimoji="1" lang="ja-JP" altLang="en-US"/>
           </a:p>
@@ -465,7 +467,7 @@
           <a:p>
             <a:fld id="{A6E431DA-83A9-BA4B-A104-448117B2FB99}" type="datetimeFigureOut">
               <a:rPr kumimoji="1" lang="ja-JP" altLang="en-US" smtClean="0"/>
-              <a:t>2018/7/11</a:t>
+              <a:t>2018/7/12</a:t>
             </a:fld>
             <a:endParaRPr kumimoji="1" lang="ja-JP" altLang="en-US"/>
           </a:p>
@@ -653,7 +655,7 @@
           <a:p>
             <a:fld id="{A6E431DA-83A9-BA4B-A104-448117B2FB99}" type="datetimeFigureOut">
               <a:rPr kumimoji="1" lang="ja-JP" altLang="en-US" smtClean="0"/>
-              <a:t>2018/7/11</a:t>
+              <a:t>2018/7/12</a:t>
             </a:fld>
             <a:endParaRPr kumimoji="1" lang="ja-JP" altLang="en-US"/>
           </a:p>
@@ -831,7 +833,7 @@
           <a:p>
             <a:fld id="{A6E431DA-83A9-BA4B-A104-448117B2FB99}" type="datetimeFigureOut">
               <a:rPr kumimoji="1" lang="ja-JP" altLang="en-US" smtClean="0"/>
-              <a:t>2018/7/11</a:t>
+              <a:t>2018/7/12</a:t>
             </a:fld>
             <a:endParaRPr kumimoji="1" lang="ja-JP" altLang="en-US"/>
           </a:p>
@@ -1142,7 +1144,7 @@
           <a:p>
             <a:fld id="{A6E431DA-83A9-BA4B-A104-448117B2FB99}" type="datetimeFigureOut">
               <a:rPr kumimoji="1" lang="ja-JP" altLang="en-US" smtClean="0"/>
-              <a:t>2018/7/11</a:t>
+              <a:t>2018/7/12</a:t>
             </a:fld>
             <a:endParaRPr kumimoji="1" lang="ja-JP" altLang="en-US"/>
           </a:p>
@@ -1390,7 +1392,7 @@
           <a:p>
             <a:fld id="{A6E431DA-83A9-BA4B-A104-448117B2FB99}" type="datetimeFigureOut">
               <a:rPr kumimoji="1" lang="ja-JP" altLang="en-US" smtClean="0"/>
-              <a:t>2018/7/11</a:t>
+              <a:t>2018/7/12</a:t>
             </a:fld>
             <a:endParaRPr kumimoji="1" lang="ja-JP" altLang="en-US"/>
           </a:p>
@@ -1847,7 +1849,7 @@
           <a:p>
             <a:fld id="{A6E431DA-83A9-BA4B-A104-448117B2FB99}" type="datetimeFigureOut">
               <a:rPr kumimoji="1" lang="ja-JP" altLang="en-US" smtClean="0"/>
-              <a:t>2018/7/11</a:t>
+              <a:t>2018/7/12</a:t>
             </a:fld>
             <a:endParaRPr kumimoji="1" lang="ja-JP" altLang="en-US"/>
           </a:p>
@@ -1965,7 +1967,7 @@
           <a:p>
             <a:fld id="{A6E431DA-83A9-BA4B-A104-448117B2FB99}" type="datetimeFigureOut">
               <a:rPr kumimoji="1" lang="ja-JP" altLang="en-US" smtClean="0"/>
-              <a:t>2018/7/11</a:t>
+              <a:t>2018/7/12</a:t>
             </a:fld>
             <a:endParaRPr kumimoji="1" lang="ja-JP" altLang="en-US"/>
           </a:p>
@@ -2090,7 +2092,7 @@
           <a:p>
             <a:fld id="{A6E431DA-83A9-BA4B-A104-448117B2FB99}" type="datetimeFigureOut">
               <a:rPr kumimoji="1" lang="ja-JP" altLang="en-US" smtClean="0"/>
-              <a:t>2018/7/11</a:t>
+              <a:t>2018/7/12</a:t>
             </a:fld>
             <a:endParaRPr kumimoji="1" lang="ja-JP" altLang="en-US"/>
           </a:p>
@@ -2442,7 +2444,7 @@
           <a:p>
             <a:fld id="{A6E431DA-83A9-BA4B-A104-448117B2FB99}" type="datetimeFigureOut">
               <a:rPr kumimoji="1" lang="ja-JP" altLang="en-US" smtClean="0"/>
-              <a:t>2018/7/11</a:t>
+              <a:t>2018/7/12</a:t>
             </a:fld>
             <a:endParaRPr kumimoji="1" lang="ja-JP" altLang="en-US"/>
           </a:p>
@@ -2736,7 +2738,7 @@
           <a:p>
             <a:fld id="{A6E431DA-83A9-BA4B-A104-448117B2FB99}" type="datetimeFigureOut">
               <a:rPr kumimoji="1" lang="ja-JP" altLang="en-US" smtClean="0"/>
-              <a:t>2018/7/11</a:t>
+              <a:t>2018/7/12</a:t>
             </a:fld>
             <a:endParaRPr kumimoji="1" lang="ja-JP" altLang="en-US"/>
           </a:p>
@@ -2957,7 +2959,7 @@
           <a:p>
             <a:fld id="{A6E431DA-83A9-BA4B-A104-448117B2FB99}" type="datetimeFigureOut">
               <a:rPr kumimoji="1" lang="ja-JP" altLang="en-US" smtClean="0"/>
-              <a:t>2018/7/11</a:t>
+              <a:t>2018/7/12</a:t>
             </a:fld>
             <a:endParaRPr kumimoji="1" lang="ja-JP" altLang="en-US"/>
           </a:p>
@@ -3628,7 +3630,7 @@
                 <a:ea typeface="Gen Shin Gothic Medium" panose="020B0402020203020207" pitchFamily="34" charset="-128"/>
                 <a:cs typeface="Gen Shin Gothic Medium" panose="020B0402020203020207" pitchFamily="34" charset="-128"/>
               </a:rPr>
-              <a:t>ワークツリー</a:t>
+              <a:t>リポジトリ</a:t>
             </a:r>
             <a:endParaRPr kumimoji="1" lang="ja-JP" altLang="en-US">
               <a:latin typeface="Gen Shin Gothic Medium" panose="020B0402020203020207" pitchFamily="34" charset="-128"/>
@@ -3643,7 +3645,7 @@
           <p:cNvPr id="4" name="コンテンツ プレースホルダー 2">
             <a:extLst>
               <a:ext uri="{FF2B5EF4-FFF2-40B4-BE49-F238E27FC236}">
-                <a16:creationId xmlns:a16="http://schemas.microsoft.com/office/drawing/2014/main" id="{DF3958B9-2478-D94E-B34E-1ACF8A3EB15B}"/>
+                <a16:creationId xmlns:a16="http://schemas.microsoft.com/office/drawing/2014/main" id="{5896B39B-0C0B-1B43-B3DA-860BC2E3325F}"/>
               </a:ext>
             </a:extLst>
           </p:cNvPr>
@@ -3837,7 +3839,7 @@
                 <a:ea typeface="Gen Shin Gothic Medium" panose="020B0402020203020207" pitchFamily="34" charset="-128"/>
                 <a:cs typeface="Gen Shin Gothic Medium" panose="020B0402020203020207" pitchFamily="34" charset="-128"/>
               </a:rPr>
-              <a:t>保存する前の段階で作業中の空間を表している</a:t>
+              <a:t>ブロブやコミットを保存しておく貯蔵庫</a:t>
             </a:r>
             <a:endParaRPr lang="en-US" altLang="ja-JP" dirty="0">
               <a:latin typeface="Gen Shin Gothic Medium" panose="020B0402020203020207" pitchFamily="34" charset="-128"/>
@@ -3850,20 +3852,138 @@
               <a:buNone/>
             </a:pPr>
             <a:r>
+              <a:rPr lang="en" altLang="ja-JP" sz="3600" dirty="0">
+                <a:latin typeface="Gen Shin Gothic Medium" panose="020B0402020203020207" pitchFamily="34" charset="-128"/>
+                <a:ea typeface="Gen Shin Gothic Medium" panose="020B0402020203020207" pitchFamily="34" charset="-128"/>
+                <a:cs typeface="Gen Shin Gothic Medium" panose="020B0402020203020207" pitchFamily="34" charset="-128"/>
+              </a:rPr>
+              <a:t>git</a:t>
+            </a:r>
+            <a:r>
+              <a:rPr lang="en" altLang="ja-JP" dirty="0">
+                <a:latin typeface="Gen Shin Gothic Medium" panose="020B0402020203020207" pitchFamily="34" charset="-128"/>
+                <a:ea typeface="Gen Shin Gothic Medium" panose="020B0402020203020207" pitchFamily="34" charset="-128"/>
+                <a:cs typeface="Gen Shin Gothic Medium" panose="020B0402020203020207" pitchFamily="34" charset="-128"/>
+              </a:rPr>
+              <a:t> </a:t>
+            </a:r>
+            <a:r>
               <a:rPr lang="ja-JP" altLang="en-US">
                 <a:latin typeface="Gen Shin Gothic Medium" panose="020B0402020203020207" pitchFamily="34" charset="-128"/>
                 <a:ea typeface="Gen Shin Gothic Medium" panose="020B0402020203020207" pitchFamily="34" charset="-128"/>
                 <a:cs typeface="Gen Shin Gothic Medium" panose="020B0402020203020207" pitchFamily="34" charset="-128"/>
               </a:rPr>
-              <a:t>保存する前なのでブロブがない</a:t>
-            </a:r>
-          </a:p>
-        </p:txBody>
-      </p:sp>
+              <a:t>というフォルダがリポジトリの本体</a:t>
+            </a:r>
+            <a:endParaRPr lang="en-US" altLang="ja-JP" dirty="0">
+              <a:latin typeface="Gen Shin Gothic Medium" panose="020B0402020203020207" pitchFamily="34" charset="-128"/>
+              <a:ea typeface="Gen Shin Gothic Medium" panose="020B0402020203020207" pitchFamily="34" charset="-128"/>
+              <a:cs typeface="Gen Shin Gothic Medium" panose="020B0402020203020207" pitchFamily="34" charset="-128"/>
+            </a:endParaRPr>
+          </a:p>
+          <a:p>
+            <a:pPr marL="0" indent="0">
+              <a:buNone/>
+            </a:pPr>
+            <a:endParaRPr lang="en-US" altLang="ja-JP" dirty="0">
+              <a:latin typeface="Gen Shin Gothic Medium" panose="020B0402020203020207" pitchFamily="34" charset="-128"/>
+              <a:ea typeface="Gen Shin Gothic Medium" panose="020B0402020203020207" pitchFamily="34" charset="-128"/>
+              <a:cs typeface="Gen Shin Gothic Medium" panose="020B0402020203020207" pitchFamily="34" charset="-128"/>
+            </a:endParaRPr>
+          </a:p>
+          <a:p>
+            <a:pPr marL="0" indent="0">
+              <a:buNone/>
+            </a:pPr>
+            <a:endParaRPr lang="en-US" altLang="ja-JP" dirty="0">
+              <a:latin typeface="Gen Shin Gothic Medium" panose="020B0402020203020207" pitchFamily="34" charset="-128"/>
+              <a:ea typeface="Gen Shin Gothic Medium" panose="020B0402020203020207" pitchFamily="34" charset="-128"/>
+              <a:cs typeface="Gen Shin Gothic Medium" panose="020B0402020203020207" pitchFamily="34" charset="-128"/>
+            </a:endParaRPr>
+          </a:p>
+          <a:p>
+            <a:pPr marL="0" indent="0">
+              <a:buNone/>
+            </a:pPr>
+            <a:r>
+              <a:rPr lang="en" altLang="ja-JP" sz="3600" dirty="0">
+                <a:latin typeface="Gen Shin Gothic Medium" panose="020B0402020203020207" pitchFamily="34" charset="-128"/>
+                <a:ea typeface="Gen Shin Gothic Medium" panose="020B0402020203020207" pitchFamily="34" charset="-128"/>
+                <a:cs typeface="Gen Shin Gothic Medium" panose="020B0402020203020207" pitchFamily="34" charset="-128"/>
+              </a:rPr>
+              <a:t>git</a:t>
+            </a:r>
+            <a:r>
+              <a:rPr lang="en" altLang="ja-JP" dirty="0">
+                <a:latin typeface="Gen Shin Gothic Medium" panose="020B0402020203020207" pitchFamily="34" charset="-128"/>
+                <a:ea typeface="Gen Shin Gothic Medium" panose="020B0402020203020207" pitchFamily="34" charset="-128"/>
+                <a:cs typeface="Gen Shin Gothic Medium" panose="020B0402020203020207" pitchFamily="34" charset="-128"/>
+              </a:rPr>
+              <a:t> </a:t>
+            </a:r>
+            <a:r>
+              <a:rPr lang="ja-JP" altLang="en-US">
+                <a:latin typeface="Gen Shin Gothic Medium" panose="020B0402020203020207" pitchFamily="34" charset="-128"/>
+                <a:ea typeface="Gen Shin Gothic Medium" panose="020B0402020203020207" pitchFamily="34" charset="-128"/>
+                <a:cs typeface="Gen Shin Gothic Medium" panose="020B0402020203020207" pitchFamily="34" charset="-128"/>
+              </a:rPr>
+              <a:t>というフォルダの中に </a:t>
+            </a:r>
+            <a:endParaRPr lang="en-US" altLang="ja-JP" dirty="0">
+              <a:latin typeface="Gen Shin Gothic Medium" panose="020B0402020203020207" pitchFamily="34" charset="-128"/>
+              <a:ea typeface="Gen Shin Gothic Medium" panose="020B0402020203020207" pitchFamily="34" charset="-128"/>
+              <a:cs typeface="Gen Shin Gothic Medium" panose="020B0402020203020207" pitchFamily="34" charset="-128"/>
+            </a:endParaRPr>
+          </a:p>
+          <a:p>
+            <a:pPr marL="0" indent="0">
+              <a:buNone/>
+            </a:pPr>
+            <a:r>
+              <a:rPr lang="ja-JP" altLang="en-US" sz="3600" b="1">
+                <a:latin typeface="Gen Shin Gothic Medium" panose="020B0402020203020207" pitchFamily="34" charset="-128"/>
+                <a:ea typeface="Gen Shin Gothic Medium" panose="020B0402020203020207" pitchFamily="34" charset="-128"/>
+                <a:cs typeface="Gen Shin Gothic Medium" panose="020B0402020203020207" pitchFamily="34" charset="-128"/>
+              </a:rPr>
+              <a:t>全ての古いバージョンのファイルやコミットが詰まっている</a:t>
+            </a:r>
+          </a:p>
+        </p:txBody>
+      </p:sp>
+      <p:pic>
+        <p:nvPicPr>
+          <p:cNvPr id="2" name="図 1">
+            <a:extLst>
+              <a:ext uri="{FF2B5EF4-FFF2-40B4-BE49-F238E27FC236}">
+                <a16:creationId xmlns:a16="http://schemas.microsoft.com/office/drawing/2014/main" id="{9D790F08-0B1B-B242-8B4E-8C75CDC388BD}"/>
+              </a:ext>
+            </a:extLst>
+          </p:cNvPr>
+          <p:cNvPicPr>
+            <a:picLocks noChangeAspect="1"/>
+          </p:cNvPicPr>
+          <p:nvPr/>
+        </p:nvPicPr>
+        <p:blipFill>
+          <a:blip r:embed="rId2"/>
+          <a:stretch>
+            <a:fillRect/>
+          </a:stretch>
+        </p:blipFill>
+        <p:spPr>
+          <a:xfrm>
+            <a:off x="6108528" y="2795100"/>
+            <a:ext cx="2406822" cy="1865287"/>
+          </a:xfrm>
+          <a:prstGeom prst="rect">
+            <a:avLst/>
+          </a:prstGeom>
+        </p:spPr>
+      </p:pic>
     </p:spTree>
     <p:extLst>
       <p:ext uri="{BB962C8B-B14F-4D97-AF65-F5344CB8AC3E}">
-        <p14:creationId xmlns:p14="http://schemas.microsoft.com/office/powerpoint/2010/main" val="3901880252"/>
+        <p14:creationId xmlns:p14="http://schemas.microsoft.com/office/powerpoint/2010/main" val="1990236587"/>
       </p:ext>
     </p:extLst>
   </p:cSld>
@@ -3892,10 +4012,10 @@
       </p:grpSpPr>
       <p:sp>
         <p:nvSpPr>
-          <p:cNvPr id="3" name="タイトル 1">
+          <p:cNvPr id="2" name="タイトル 1">
             <a:extLst>
               <a:ext uri="{FF2B5EF4-FFF2-40B4-BE49-F238E27FC236}">
-                <a16:creationId xmlns:a16="http://schemas.microsoft.com/office/drawing/2014/main" id="{DA9EE778-DCC5-3040-9087-5B00F4C1F6EB}"/>
+                <a16:creationId xmlns:a16="http://schemas.microsoft.com/office/drawing/2014/main" id="{6197A6E3-3051-B14C-BDE7-8B728AA504EA}"/>
               </a:ext>
             </a:extLst>
           </p:cNvPr>
@@ -3906,23 +4026,53 @@
             <p:ph type="title"/>
           </p:nvPr>
         </p:nvSpPr>
-        <p:spPr>
-          <a:xfrm>
-            <a:off x="628650" y="365126"/>
-            <a:ext cx="7886700" cy="1325563"/>
-          </a:xfrm>
-        </p:spPr>
+        <p:spPr/>
         <p:txBody>
           <a:bodyPr/>
           <a:lstStyle/>
           <a:p>
+            <a:r>
+              <a:rPr lang="en" altLang="ja-JP" sz="5400" dirty="0">
+                <a:solidFill>
+                  <a:schemeClr val="accent1"/>
+                </a:solidFill>
+                <a:latin typeface="Gen Shin Gothic Medium" panose="020B0402020203020207" pitchFamily="34" charset="-128"/>
+                <a:ea typeface="Gen Shin Gothic Medium" panose="020B0402020203020207" pitchFamily="34" charset="-128"/>
+                <a:cs typeface="Gen Shin Gothic Medium" panose="020B0402020203020207" pitchFamily="34" charset="-128"/>
+              </a:rPr>
+              <a:t>git</a:t>
+            </a:r>
+            <a:r>
+              <a:rPr lang="en" altLang="ja-JP" dirty="0">
+                <a:latin typeface="Gen Shin Gothic Medium" panose="020B0402020203020207" pitchFamily="34" charset="-128"/>
+                <a:ea typeface="Gen Shin Gothic Medium" panose="020B0402020203020207" pitchFamily="34" charset="-128"/>
+                <a:cs typeface="Gen Shin Gothic Medium" panose="020B0402020203020207" pitchFamily="34" charset="-128"/>
+              </a:rPr>
+              <a:t> </a:t>
+            </a:r>
             <a:r>
               <a:rPr lang="ja-JP" altLang="en-US">
                 <a:latin typeface="Gen Shin Gothic Medium" panose="020B0402020203020207" pitchFamily="34" charset="-128"/>
                 <a:ea typeface="Gen Shin Gothic Medium" panose="020B0402020203020207" pitchFamily="34" charset="-128"/>
                 <a:cs typeface="Gen Shin Gothic Medium" panose="020B0402020203020207" pitchFamily="34" charset="-128"/>
               </a:rPr>
-              <a:t>インデックス</a:t>
+              <a:t>の</a:t>
+            </a:r>
+            <a:r>
+              <a:rPr lang="en-US" altLang="ja-JP" dirty="0">
+                <a:latin typeface="Gen Shin Gothic Medium" panose="020B0402020203020207" pitchFamily="34" charset="-128"/>
+                <a:ea typeface="Gen Shin Gothic Medium" panose="020B0402020203020207" pitchFamily="34" charset="-128"/>
+                <a:cs typeface="Gen Shin Gothic Medium" panose="020B0402020203020207" pitchFamily="34" charset="-128"/>
+              </a:rPr>
+              <a:t>3</a:t>
+            </a:r>
+            <a:r>
+              <a:rPr lang="ja-JP" altLang="en-US">
+                <a:latin typeface="Gen Shin Gothic Medium" panose="020B0402020203020207" pitchFamily="34" charset="-128"/>
+                <a:ea typeface="Gen Shin Gothic Medium" panose="020B0402020203020207" pitchFamily="34" charset="-128"/>
+                <a:cs typeface="Gen Shin Gothic Medium" panose="020B0402020203020207" pitchFamily="34" charset="-128"/>
+              </a:rPr>
+              <a:t>つの世界</a:t>
             </a:r>
             <a:endParaRPr kumimoji="1" lang="ja-JP" altLang="en-US">
               <a:latin typeface="Gen Shin Gothic Medium" panose="020B0402020203020207" pitchFamily="34" charset="-128"/>
@@ -3934,10 +4084,81 @@
       </p:sp>
       <p:sp>
         <p:nvSpPr>
+          <p:cNvPr id="3" name="コンテンツ プレースホルダー 2">
+            <a:extLst>
+              <a:ext uri="{FF2B5EF4-FFF2-40B4-BE49-F238E27FC236}">
+                <a16:creationId xmlns:a16="http://schemas.microsoft.com/office/drawing/2014/main" id="{912F3FB3-057B-F14F-85DC-4D861A9F395F}"/>
+              </a:ext>
+            </a:extLst>
+          </p:cNvPr>
+          <p:cNvSpPr>
+            <a:spLocks noGrp="1"/>
+          </p:cNvSpPr>
+          <p:nvPr>
+            <p:ph idx="1"/>
+          </p:nvPr>
+        </p:nvSpPr>
+        <p:spPr>
+          <a:xfrm>
+            <a:off x="628650" y="1825625"/>
+            <a:ext cx="7886700" cy="1653299"/>
+          </a:xfrm>
+        </p:spPr>
+        <p:txBody>
+          <a:bodyPr>
+            <a:normAutofit/>
+          </a:bodyPr>
+          <a:lstStyle/>
+          <a:p>
+            <a:pPr marL="514350" indent="-514350">
+              <a:buFont typeface="+mj-lt"/>
+              <a:buAutoNum type="arabicPeriod"/>
+            </a:pPr>
+            <a:r>
+              <a:rPr lang="ja-JP" altLang="en-US">
+                <a:latin typeface="Gen Shin Gothic Medium" panose="020B0402020203020207" pitchFamily="34" charset="-128"/>
+                <a:ea typeface="Gen Shin Gothic Medium" panose="020B0402020203020207" pitchFamily="34" charset="-128"/>
+                <a:cs typeface="Gen Shin Gothic Medium" panose="020B0402020203020207" pitchFamily="34" charset="-128"/>
+              </a:rPr>
+              <a:t>ワークツリー</a:t>
+            </a:r>
+          </a:p>
+          <a:p>
+            <a:pPr marL="514350" indent="-514350">
+              <a:buFont typeface="+mj-lt"/>
+              <a:buAutoNum type="arabicPeriod"/>
+            </a:pPr>
+            <a:r>
+              <a:rPr lang="ja-JP" altLang="en-US">
+                <a:latin typeface="Gen Shin Gothic Medium" panose="020B0402020203020207" pitchFamily="34" charset="-128"/>
+                <a:ea typeface="Gen Shin Gothic Medium" panose="020B0402020203020207" pitchFamily="34" charset="-128"/>
+                <a:cs typeface="Gen Shin Gothic Medium" panose="020B0402020203020207" pitchFamily="34" charset="-128"/>
+              </a:rPr>
+              <a:t>インデックス</a:t>
+            </a:r>
+          </a:p>
+          <a:p>
+            <a:pPr marL="514350" indent="-514350">
+              <a:buFont typeface="+mj-lt"/>
+              <a:buAutoNum type="arabicPeriod"/>
+            </a:pPr>
+            <a:r>
+              <a:rPr lang="ja-JP" altLang="en-US">
+                <a:latin typeface="Gen Shin Gothic Medium" panose="020B0402020203020207" pitchFamily="34" charset="-128"/>
+                <a:ea typeface="Gen Shin Gothic Medium" panose="020B0402020203020207" pitchFamily="34" charset="-128"/>
+                <a:cs typeface="Gen Shin Gothic Medium" panose="020B0402020203020207" pitchFamily="34" charset="-128"/>
+              </a:rPr>
+              <a:t>ヘッド</a:t>
+            </a:r>
+          </a:p>
+        </p:txBody>
+      </p:sp>
+      <p:sp>
+        <p:nvSpPr>
           <p:cNvPr id="4" name="コンテンツ プレースホルダー 2">
             <a:extLst>
               <a:ext uri="{FF2B5EF4-FFF2-40B4-BE49-F238E27FC236}">
-                <a16:creationId xmlns:a16="http://schemas.microsoft.com/office/drawing/2014/main" id="{DF3958B9-2478-D94E-B34E-1ACF8A3EB15B}"/>
+                <a16:creationId xmlns:a16="http://schemas.microsoft.com/office/drawing/2014/main" id="{8FE1D0CD-5C8C-EF42-8B5F-C464BA92BABD}"/>
               </a:ext>
             </a:extLst>
           </p:cNvPr>
@@ -3949,13 +4170,260 @@
         <p:spPr>
           <a:xfrm>
             <a:off x="628650" y="1825625"/>
-            <a:ext cx="7886700" cy="4351338"/>
+            <a:ext cx="7886700" cy="1653299"/>
           </a:xfrm>
           <a:prstGeom prst="rect">
             <a:avLst/>
           </a:prstGeom>
         </p:spPr>
         <p:txBody>
+          <a:bodyPr vert="horz" lIns="91440" tIns="45720" rIns="91440" bIns="45720" rtlCol="0">
+            <a:normAutofit/>
+          </a:bodyPr>
+          <a:lstStyle>
+            <a:lvl1pPr marL="228600" indent="-228600" algn="l" defTabSz="914400" rtl="0" eaLnBrk="1" latinLnBrk="0" hangingPunct="1">
+              <a:lnSpc>
+                <a:spcPct val="90000"/>
+              </a:lnSpc>
+              <a:spcBef>
+                <a:spcPts val="1000"/>
+              </a:spcBef>
+              <a:buFont typeface="Arial" panose="020B0604020202020204" pitchFamily="34" charset="0"/>
+              <a:buChar char="•"/>
+              <a:defRPr kumimoji="1" sz="2800" kern="1200">
+                <a:solidFill>
+                  <a:schemeClr val="tx1"/>
+                </a:solidFill>
+                <a:latin typeface="+mn-lt"/>
+                <a:ea typeface="+mn-ea"/>
+                <a:cs typeface="+mn-cs"/>
+              </a:defRPr>
+            </a:lvl1pPr>
+            <a:lvl2pPr marL="685800" indent="-228600" algn="l" defTabSz="914400" rtl="0" eaLnBrk="1" latinLnBrk="0" hangingPunct="1">
+              <a:lnSpc>
+                <a:spcPct val="90000"/>
+              </a:lnSpc>
+              <a:spcBef>
+                <a:spcPts val="500"/>
+              </a:spcBef>
+              <a:buFont typeface="Arial" panose="020B0604020202020204" pitchFamily="34" charset="0"/>
+              <a:buChar char="•"/>
+              <a:defRPr kumimoji="1" sz="2400" kern="1200">
+                <a:solidFill>
+                  <a:schemeClr val="tx1"/>
+                </a:solidFill>
+                <a:latin typeface="+mn-lt"/>
+                <a:ea typeface="+mn-ea"/>
+                <a:cs typeface="+mn-cs"/>
+              </a:defRPr>
+            </a:lvl2pPr>
+            <a:lvl3pPr marL="1143000" indent="-228600" algn="l" defTabSz="914400" rtl="0" eaLnBrk="1" latinLnBrk="0" hangingPunct="1">
+              <a:lnSpc>
+                <a:spcPct val="90000"/>
+              </a:lnSpc>
+              <a:spcBef>
+                <a:spcPts val="500"/>
+              </a:spcBef>
+              <a:buFont typeface="Arial" panose="020B0604020202020204" pitchFamily="34" charset="0"/>
+              <a:buChar char="•"/>
+              <a:defRPr kumimoji="1" sz="2000" kern="1200">
+                <a:solidFill>
+                  <a:schemeClr val="tx1"/>
+                </a:solidFill>
+                <a:latin typeface="+mn-lt"/>
+                <a:ea typeface="+mn-ea"/>
+                <a:cs typeface="+mn-cs"/>
+              </a:defRPr>
+            </a:lvl3pPr>
+            <a:lvl4pPr marL="1600200" indent="-228600" algn="l" defTabSz="914400" rtl="0" eaLnBrk="1" latinLnBrk="0" hangingPunct="1">
+              <a:lnSpc>
+                <a:spcPct val="90000"/>
+              </a:lnSpc>
+              <a:spcBef>
+                <a:spcPts val="500"/>
+              </a:spcBef>
+              <a:buFont typeface="Arial" panose="020B0604020202020204" pitchFamily="34" charset="0"/>
+              <a:buChar char="•"/>
+              <a:defRPr kumimoji="1" sz="1800" kern="1200">
+                <a:solidFill>
+                  <a:schemeClr val="tx1"/>
+                </a:solidFill>
+                <a:latin typeface="+mn-lt"/>
+                <a:ea typeface="+mn-ea"/>
+                <a:cs typeface="+mn-cs"/>
+              </a:defRPr>
+            </a:lvl4pPr>
+            <a:lvl5pPr marL="2057400" indent="-228600" algn="l" defTabSz="914400" rtl="0" eaLnBrk="1" latinLnBrk="0" hangingPunct="1">
+              <a:lnSpc>
+                <a:spcPct val="90000"/>
+              </a:lnSpc>
+              <a:spcBef>
+                <a:spcPts val="500"/>
+              </a:spcBef>
+              <a:buFont typeface="Arial" panose="020B0604020202020204" pitchFamily="34" charset="0"/>
+              <a:buChar char="•"/>
+              <a:defRPr kumimoji="1" sz="1800" kern="1200">
+                <a:solidFill>
+                  <a:schemeClr val="tx1"/>
+                </a:solidFill>
+                <a:latin typeface="+mn-lt"/>
+                <a:ea typeface="+mn-ea"/>
+                <a:cs typeface="+mn-cs"/>
+              </a:defRPr>
+            </a:lvl5pPr>
+            <a:lvl6pPr marL="2514600" indent="-228600" algn="l" defTabSz="914400" rtl="0" eaLnBrk="1" latinLnBrk="0" hangingPunct="1">
+              <a:lnSpc>
+                <a:spcPct val="90000"/>
+              </a:lnSpc>
+              <a:spcBef>
+                <a:spcPts val="500"/>
+              </a:spcBef>
+              <a:buFont typeface="Arial" panose="020B0604020202020204" pitchFamily="34" charset="0"/>
+              <a:buChar char="•"/>
+              <a:defRPr kumimoji="1" sz="1800" kern="1200">
+                <a:solidFill>
+                  <a:schemeClr val="tx1"/>
+                </a:solidFill>
+                <a:latin typeface="+mn-lt"/>
+                <a:ea typeface="+mn-ea"/>
+                <a:cs typeface="+mn-cs"/>
+              </a:defRPr>
+            </a:lvl6pPr>
+            <a:lvl7pPr marL="2971800" indent="-228600" algn="l" defTabSz="914400" rtl="0" eaLnBrk="1" latinLnBrk="0" hangingPunct="1">
+              <a:lnSpc>
+                <a:spcPct val="90000"/>
+              </a:lnSpc>
+              <a:spcBef>
+                <a:spcPts val="500"/>
+              </a:spcBef>
+              <a:buFont typeface="Arial" panose="020B0604020202020204" pitchFamily="34" charset="0"/>
+              <a:buChar char="•"/>
+              <a:defRPr kumimoji="1" sz="1800" kern="1200">
+                <a:solidFill>
+                  <a:schemeClr val="tx1"/>
+                </a:solidFill>
+                <a:latin typeface="+mn-lt"/>
+                <a:ea typeface="+mn-ea"/>
+                <a:cs typeface="+mn-cs"/>
+              </a:defRPr>
+            </a:lvl7pPr>
+            <a:lvl8pPr marL="3429000" indent="-228600" algn="l" defTabSz="914400" rtl="0" eaLnBrk="1" latinLnBrk="0" hangingPunct="1">
+              <a:lnSpc>
+                <a:spcPct val="90000"/>
+              </a:lnSpc>
+              <a:spcBef>
+                <a:spcPts val="500"/>
+              </a:spcBef>
+              <a:buFont typeface="Arial" panose="020B0604020202020204" pitchFamily="34" charset="0"/>
+              <a:buChar char="•"/>
+              <a:defRPr kumimoji="1" sz="1800" kern="1200">
+                <a:solidFill>
+                  <a:schemeClr val="tx1"/>
+                </a:solidFill>
+                <a:latin typeface="+mn-lt"/>
+                <a:ea typeface="+mn-ea"/>
+                <a:cs typeface="+mn-cs"/>
+              </a:defRPr>
+            </a:lvl8pPr>
+            <a:lvl9pPr marL="3886200" indent="-228600" algn="l" defTabSz="914400" rtl="0" eaLnBrk="1" latinLnBrk="0" hangingPunct="1">
+              <a:lnSpc>
+                <a:spcPct val="90000"/>
+              </a:lnSpc>
+              <a:spcBef>
+                <a:spcPts val="500"/>
+              </a:spcBef>
+              <a:buFont typeface="Arial" panose="020B0604020202020204" pitchFamily="34" charset="0"/>
+              <a:buChar char="•"/>
+              <a:defRPr kumimoji="1" sz="1800" kern="1200">
+                <a:solidFill>
+                  <a:schemeClr val="tx1"/>
+                </a:solidFill>
+                <a:latin typeface="+mn-lt"/>
+                <a:ea typeface="+mn-ea"/>
+                <a:cs typeface="+mn-cs"/>
+              </a:defRPr>
+            </a:lvl9pPr>
+          </a:lstStyle>
+          <a:p>
+            <a:pPr marL="0" indent="0" algn="r">
+              <a:buNone/>
+            </a:pPr>
+            <a:r>
+              <a:rPr lang="en-US" altLang="ja-JP" dirty="0">
+                <a:latin typeface="Gen Shin Gothic Medium" panose="020B0402020203020207" pitchFamily="34" charset="-128"/>
+                <a:ea typeface="Gen Shin Gothic Medium" panose="020B0402020203020207" pitchFamily="34" charset="-128"/>
+                <a:cs typeface="Gen Shin Gothic Medium" panose="020B0402020203020207" pitchFamily="34" charset="-128"/>
+              </a:rPr>
+              <a:t>(Work Tree)</a:t>
+            </a:r>
+            <a:endParaRPr lang="ja-JP" altLang="en-US">
+              <a:latin typeface="Gen Shin Gothic Medium" panose="020B0402020203020207" pitchFamily="34" charset="-128"/>
+              <a:ea typeface="Gen Shin Gothic Medium" panose="020B0402020203020207" pitchFamily="34" charset="-128"/>
+              <a:cs typeface="Gen Shin Gothic Medium" panose="020B0402020203020207" pitchFamily="34" charset="-128"/>
+            </a:endParaRPr>
+          </a:p>
+          <a:p>
+            <a:pPr marL="0" indent="0" algn="r">
+              <a:buNone/>
+            </a:pPr>
+            <a:r>
+              <a:rPr lang="en-US" altLang="ja-JP" dirty="0">
+                <a:latin typeface="Gen Shin Gothic Medium" panose="020B0402020203020207" pitchFamily="34" charset="-128"/>
+                <a:ea typeface="Gen Shin Gothic Medium" panose="020B0402020203020207" pitchFamily="34" charset="-128"/>
+                <a:cs typeface="Gen Shin Gothic Medium" panose="020B0402020203020207" pitchFamily="34" charset="-128"/>
+              </a:rPr>
+              <a:t>(Index)</a:t>
+            </a:r>
+            <a:endParaRPr lang="ja-JP" altLang="en-US">
+              <a:latin typeface="Gen Shin Gothic Medium" panose="020B0402020203020207" pitchFamily="34" charset="-128"/>
+              <a:ea typeface="Gen Shin Gothic Medium" panose="020B0402020203020207" pitchFamily="34" charset="-128"/>
+              <a:cs typeface="Gen Shin Gothic Medium" panose="020B0402020203020207" pitchFamily="34" charset="-128"/>
+            </a:endParaRPr>
+          </a:p>
+          <a:p>
+            <a:pPr marL="0" indent="0" algn="r">
+              <a:buNone/>
+            </a:pPr>
+            <a:r>
+              <a:rPr lang="en-US" altLang="ja-JP" dirty="0">
+                <a:latin typeface="Gen Shin Gothic Medium" panose="020B0402020203020207" pitchFamily="34" charset="-128"/>
+                <a:ea typeface="Gen Shin Gothic Medium" panose="020B0402020203020207" pitchFamily="34" charset="-128"/>
+                <a:cs typeface="Gen Shin Gothic Medium" panose="020B0402020203020207" pitchFamily="34" charset="-128"/>
+              </a:rPr>
+              <a:t>(HEAD)</a:t>
+            </a:r>
+            <a:endParaRPr lang="ja-JP" altLang="en-US">
+              <a:latin typeface="Gen Shin Gothic Medium" panose="020B0402020203020207" pitchFamily="34" charset="-128"/>
+              <a:ea typeface="Gen Shin Gothic Medium" panose="020B0402020203020207" pitchFamily="34" charset="-128"/>
+              <a:cs typeface="Gen Shin Gothic Medium" panose="020B0402020203020207" pitchFamily="34" charset="-128"/>
+            </a:endParaRPr>
+          </a:p>
+        </p:txBody>
+      </p:sp>
+      <p:sp>
+        <p:nvSpPr>
+          <p:cNvPr id="5" name="コンテンツ プレースホルダー 2">
+            <a:extLst>
+              <a:ext uri="{FF2B5EF4-FFF2-40B4-BE49-F238E27FC236}">
+                <a16:creationId xmlns:a16="http://schemas.microsoft.com/office/drawing/2014/main" id="{9B7BA5C9-46A4-5D4F-A848-B8FF446525C4}"/>
+              </a:ext>
+            </a:extLst>
+          </p:cNvPr>
+          <p:cNvSpPr txBox="1">
+            <a:spLocks/>
+          </p:cNvSpPr>
+          <p:nvPr/>
+        </p:nvSpPr>
+        <p:spPr>
+          <a:xfrm>
+            <a:off x="628650" y="3773215"/>
+            <a:ext cx="7886700" cy="2403748"/>
+          </a:xfrm>
+          <a:prstGeom prst="rect">
+            <a:avLst/>
+          </a:prstGeom>
+        </p:spPr>
+        <p:txBody>
           <a:bodyPr/>
           <a:lstStyle>
             <a:lvl1pPr marL="228600" indent="-228600" algn="l" defTabSz="914400" rtl="0" eaLnBrk="1" latinLnBrk="0" hangingPunct="1">
@@ -4131,20 +4599,45 @@
                 <a:ea typeface="Gen Shin Gothic Medium" panose="020B0402020203020207" pitchFamily="34" charset="-128"/>
                 <a:cs typeface="Gen Shin Gothic Medium" panose="020B0402020203020207" pitchFamily="34" charset="-128"/>
               </a:rPr>
-              <a:t>コミットが作られる前の段階</a:t>
-            </a:r>
-            <a:endParaRPr lang="en-US" altLang="ja-JP" dirty="0">
-              <a:latin typeface="Gen Shin Gothic Medium" panose="020B0402020203020207" pitchFamily="34" charset="-128"/>
-              <a:ea typeface="Gen Shin Gothic Medium" panose="020B0402020203020207" pitchFamily="34" charset="-128"/>
-              <a:cs typeface="Gen Shin Gothic Medium" panose="020B0402020203020207" pitchFamily="34" charset="-128"/>
-            </a:endParaRPr>
-          </a:p>
-        </p:txBody>
-      </p:sp>
+              <a:t>この３つの段階を踏んでコミットを作る</a:t>
+            </a:r>
+          </a:p>
+        </p:txBody>
+      </p:sp>
+      <p:pic>
+        <p:nvPicPr>
+          <p:cNvPr id="6" name="図 5">
+            <a:extLst>
+              <a:ext uri="{FF2B5EF4-FFF2-40B4-BE49-F238E27FC236}">
+                <a16:creationId xmlns:a16="http://schemas.microsoft.com/office/drawing/2014/main" id="{207CC221-BBF9-8148-9CE6-FB723CF9B592}"/>
+              </a:ext>
+            </a:extLst>
+          </p:cNvPr>
+          <p:cNvPicPr>
+            <a:picLocks noChangeAspect="1"/>
+          </p:cNvPicPr>
+          <p:nvPr/>
+        </p:nvPicPr>
+        <p:blipFill>
+          <a:blip r:embed="rId2"/>
+          <a:stretch>
+            <a:fillRect/>
+          </a:stretch>
+        </p:blipFill>
+        <p:spPr>
+          <a:xfrm>
+            <a:off x="628650" y="4463060"/>
+            <a:ext cx="2211488" cy="1713903"/>
+          </a:xfrm>
+          <a:prstGeom prst="rect">
+            <a:avLst/>
+          </a:prstGeom>
+        </p:spPr>
+      </p:pic>
     </p:spTree>
     <p:extLst>
       <p:ext uri="{BB962C8B-B14F-4D97-AF65-F5344CB8AC3E}">
-        <p14:creationId xmlns:p14="http://schemas.microsoft.com/office/powerpoint/2010/main" val="1409877740"/>
+        <p14:creationId xmlns:p14="http://schemas.microsoft.com/office/powerpoint/2010/main" val="3423140899"/>
       </p:ext>
     </p:extLst>
   </p:cSld>
@@ -4203,6 +4696,581 @@
                 <a:ea typeface="Gen Shin Gothic Medium" panose="020B0402020203020207" pitchFamily="34" charset="-128"/>
                 <a:cs typeface="Gen Shin Gothic Medium" panose="020B0402020203020207" pitchFamily="34" charset="-128"/>
               </a:rPr>
+              <a:t>ワークツリー</a:t>
+            </a:r>
+            <a:endParaRPr kumimoji="1" lang="ja-JP" altLang="en-US">
+              <a:latin typeface="Gen Shin Gothic Medium" panose="020B0402020203020207" pitchFamily="34" charset="-128"/>
+              <a:ea typeface="Gen Shin Gothic Medium" panose="020B0402020203020207" pitchFamily="34" charset="-128"/>
+              <a:cs typeface="Gen Shin Gothic Medium" panose="020B0402020203020207" pitchFamily="34" charset="-128"/>
+            </a:endParaRPr>
+          </a:p>
+        </p:txBody>
+      </p:sp>
+      <p:sp>
+        <p:nvSpPr>
+          <p:cNvPr id="4" name="コンテンツ プレースホルダー 2">
+            <a:extLst>
+              <a:ext uri="{FF2B5EF4-FFF2-40B4-BE49-F238E27FC236}">
+                <a16:creationId xmlns:a16="http://schemas.microsoft.com/office/drawing/2014/main" id="{DF3958B9-2478-D94E-B34E-1ACF8A3EB15B}"/>
+              </a:ext>
+            </a:extLst>
+          </p:cNvPr>
+          <p:cNvSpPr txBox="1">
+            <a:spLocks/>
+          </p:cNvSpPr>
+          <p:nvPr/>
+        </p:nvSpPr>
+        <p:spPr>
+          <a:xfrm>
+            <a:off x="628650" y="1825625"/>
+            <a:ext cx="7886700" cy="4351338"/>
+          </a:xfrm>
+          <a:prstGeom prst="rect">
+            <a:avLst/>
+          </a:prstGeom>
+        </p:spPr>
+        <p:txBody>
+          <a:bodyPr/>
+          <a:lstStyle>
+            <a:lvl1pPr marL="228600" indent="-228600" algn="l" defTabSz="914400" rtl="0" eaLnBrk="1" latinLnBrk="0" hangingPunct="1">
+              <a:lnSpc>
+                <a:spcPct val="90000"/>
+              </a:lnSpc>
+              <a:spcBef>
+                <a:spcPts val="1000"/>
+              </a:spcBef>
+              <a:buFont typeface="Arial" panose="020B0604020202020204" pitchFamily="34" charset="0"/>
+              <a:buChar char="•"/>
+              <a:defRPr kumimoji="1" sz="2800" kern="1200">
+                <a:solidFill>
+                  <a:schemeClr val="tx1"/>
+                </a:solidFill>
+                <a:latin typeface="+mn-lt"/>
+                <a:ea typeface="+mn-ea"/>
+                <a:cs typeface="+mn-cs"/>
+              </a:defRPr>
+            </a:lvl1pPr>
+            <a:lvl2pPr marL="685800" indent="-228600" algn="l" defTabSz="914400" rtl="0" eaLnBrk="1" latinLnBrk="0" hangingPunct="1">
+              <a:lnSpc>
+                <a:spcPct val="90000"/>
+              </a:lnSpc>
+              <a:spcBef>
+                <a:spcPts val="500"/>
+              </a:spcBef>
+              <a:buFont typeface="Arial" panose="020B0604020202020204" pitchFamily="34" charset="0"/>
+              <a:buChar char="•"/>
+              <a:defRPr kumimoji="1" sz="2400" kern="1200">
+                <a:solidFill>
+                  <a:schemeClr val="tx1"/>
+                </a:solidFill>
+                <a:latin typeface="+mn-lt"/>
+                <a:ea typeface="+mn-ea"/>
+                <a:cs typeface="+mn-cs"/>
+              </a:defRPr>
+            </a:lvl2pPr>
+            <a:lvl3pPr marL="1143000" indent="-228600" algn="l" defTabSz="914400" rtl="0" eaLnBrk="1" latinLnBrk="0" hangingPunct="1">
+              <a:lnSpc>
+                <a:spcPct val="90000"/>
+              </a:lnSpc>
+              <a:spcBef>
+                <a:spcPts val="500"/>
+              </a:spcBef>
+              <a:buFont typeface="Arial" panose="020B0604020202020204" pitchFamily="34" charset="0"/>
+              <a:buChar char="•"/>
+              <a:defRPr kumimoji="1" sz="2000" kern="1200">
+                <a:solidFill>
+                  <a:schemeClr val="tx1"/>
+                </a:solidFill>
+                <a:latin typeface="+mn-lt"/>
+                <a:ea typeface="+mn-ea"/>
+                <a:cs typeface="+mn-cs"/>
+              </a:defRPr>
+            </a:lvl3pPr>
+            <a:lvl4pPr marL="1600200" indent="-228600" algn="l" defTabSz="914400" rtl="0" eaLnBrk="1" latinLnBrk="0" hangingPunct="1">
+              <a:lnSpc>
+                <a:spcPct val="90000"/>
+              </a:lnSpc>
+              <a:spcBef>
+                <a:spcPts val="500"/>
+              </a:spcBef>
+              <a:buFont typeface="Arial" panose="020B0604020202020204" pitchFamily="34" charset="0"/>
+              <a:buChar char="•"/>
+              <a:defRPr kumimoji="1" sz="1800" kern="1200">
+                <a:solidFill>
+                  <a:schemeClr val="tx1"/>
+                </a:solidFill>
+                <a:latin typeface="+mn-lt"/>
+                <a:ea typeface="+mn-ea"/>
+                <a:cs typeface="+mn-cs"/>
+              </a:defRPr>
+            </a:lvl4pPr>
+            <a:lvl5pPr marL="2057400" indent="-228600" algn="l" defTabSz="914400" rtl="0" eaLnBrk="1" latinLnBrk="0" hangingPunct="1">
+              <a:lnSpc>
+                <a:spcPct val="90000"/>
+              </a:lnSpc>
+              <a:spcBef>
+                <a:spcPts val="500"/>
+              </a:spcBef>
+              <a:buFont typeface="Arial" panose="020B0604020202020204" pitchFamily="34" charset="0"/>
+              <a:buChar char="•"/>
+              <a:defRPr kumimoji="1" sz="1800" kern="1200">
+                <a:solidFill>
+                  <a:schemeClr val="tx1"/>
+                </a:solidFill>
+                <a:latin typeface="+mn-lt"/>
+                <a:ea typeface="+mn-ea"/>
+                <a:cs typeface="+mn-cs"/>
+              </a:defRPr>
+            </a:lvl5pPr>
+            <a:lvl6pPr marL="2514600" indent="-228600" algn="l" defTabSz="914400" rtl="0" eaLnBrk="1" latinLnBrk="0" hangingPunct="1">
+              <a:lnSpc>
+                <a:spcPct val="90000"/>
+              </a:lnSpc>
+              <a:spcBef>
+                <a:spcPts val="500"/>
+              </a:spcBef>
+              <a:buFont typeface="Arial" panose="020B0604020202020204" pitchFamily="34" charset="0"/>
+              <a:buChar char="•"/>
+              <a:defRPr kumimoji="1" sz="1800" kern="1200">
+                <a:solidFill>
+                  <a:schemeClr val="tx1"/>
+                </a:solidFill>
+                <a:latin typeface="+mn-lt"/>
+                <a:ea typeface="+mn-ea"/>
+                <a:cs typeface="+mn-cs"/>
+              </a:defRPr>
+            </a:lvl6pPr>
+            <a:lvl7pPr marL="2971800" indent="-228600" algn="l" defTabSz="914400" rtl="0" eaLnBrk="1" latinLnBrk="0" hangingPunct="1">
+              <a:lnSpc>
+                <a:spcPct val="90000"/>
+              </a:lnSpc>
+              <a:spcBef>
+                <a:spcPts val="500"/>
+              </a:spcBef>
+              <a:buFont typeface="Arial" panose="020B0604020202020204" pitchFamily="34" charset="0"/>
+              <a:buChar char="•"/>
+              <a:defRPr kumimoji="1" sz="1800" kern="1200">
+                <a:solidFill>
+                  <a:schemeClr val="tx1"/>
+                </a:solidFill>
+                <a:latin typeface="+mn-lt"/>
+                <a:ea typeface="+mn-ea"/>
+                <a:cs typeface="+mn-cs"/>
+              </a:defRPr>
+            </a:lvl7pPr>
+            <a:lvl8pPr marL="3429000" indent="-228600" algn="l" defTabSz="914400" rtl="0" eaLnBrk="1" latinLnBrk="0" hangingPunct="1">
+              <a:lnSpc>
+                <a:spcPct val="90000"/>
+              </a:lnSpc>
+              <a:spcBef>
+                <a:spcPts val="500"/>
+              </a:spcBef>
+              <a:buFont typeface="Arial" panose="020B0604020202020204" pitchFamily="34" charset="0"/>
+              <a:buChar char="•"/>
+              <a:defRPr kumimoji="1" sz="1800" kern="1200">
+                <a:solidFill>
+                  <a:schemeClr val="tx1"/>
+                </a:solidFill>
+                <a:latin typeface="+mn-lt"/>
+                <a:ea typeface="+mn-ea"/>
+                <a:cs typeface="+mn-cs"/>
+              </a:defRPr>
+            </a:lvl8pPr>
+            <a:lvl9pPr marL="3886200" indent="-228600" algn="l" defTabSz="914400" rtl="0" eaLnBrk="1" latinLnBrk="0" hangingPunct="1">
+              <a:lnSpc>
+                <a:spcPct val="90000"/>
+              </a:lnSpc>
+              <a:spcBef>
+                <a:spcPts val="500"/>
+              </a:spcBef>
+              <a:buFont typeface="Arial" panose="020B0604020202020204" pitchFamily="34" charset="0"/>
+              <a:buChar char="•"/>
+              <a:defRPr kumimoji="1" sz="1800" kern="1200">
+                <a:solidFill>
+                  <a:schemeClr val="tx1"/>
+                </a:solidFill>
+                <a:latin typeface="+mn-lt"/>
+                <a:ea typeface="+mn-ea"/>
+                <a:cs typeface="+mn-cs"/>
+              </a:defRPr>
+            </a:lvl9pPr>
+          </a:lstStyle>
+          <a:p>
+            <a:pPr marL="0" indent="0">
+              <a:buNone/>
+            </a:pPr>
+            <a:r>
+              <a:rPr lang="ja-JP" altLang="en-US">
+                <a:latin typeface="Gen Shin Gothic Medium" panose="020B0402020203020207" pitchFamily="34" charset="-128"/>
+                <a:ea typeface="Gen Shin Gothic Medium" panose="020B0402020203020207" pitchFamily="34" charset="-128"/>
+                <a:cs typeface="Gen Shin Gothic Medium" panose="020B0402020203020207" pitchFamily="34" charset="-128"/>
+              </a:rPr>
+              <a:t>保存する前の段階で作業中の空間を表している</a:t>
+            </a:r>
+            <a:endParaRPr lang="en-US" altLang="ja-JP" dirty="0">
+              <a:latin typeface="Gen Shin Gothic Medium" panose="020B0402020203020207" pitchFamily="34" charset="-128"/>
+              <a:ea typeface="Gen Shin Gothic Medium" panose="020B0402020203020207" pitchFamily="34" charset="-128"/>
+              <a:cs typeface="Gen Shin Gothic Medium" panose="020B0402020203020207" pitchFamily="34" charset="-128"/>
+            </a:endParaRPr>
+          </a:p>
+          <a:p>
+            <a:pPr marL="0" indent="0">
+              <a:buNone/>
+            </a:pPr>
+            <a:r>
+              <a:rPr lang="ja-JP" altLang="en-US">
+                <a:latin typeface="Gen Shin Gothic Medium" panose="020B0402020203020207" pitchFamily="34" charset="-128"/>
+                <a:ea typeface="Gen Shin Gothic Medium" panose="020B0402020203020207" pitchFamily="34" charset="-128"/>
+                <a:cs typeface="Gen Shin Gothic Medium" panose="020B0402020203020207" pitchFamily="34" charset="-128"/>
+              </a:rPr>
+              <a:t>保存する前なのでブロブがない</a:t>
+            </a:r>
+          </a:p>
+        </p:txBody>
+      </p:sp>
+    </p:spTree>
+    <p:extLst>
+      <p:ext uri="{BB962C8B-B14F-4D97-AF65-F5344CB8AC3E}">
+        <p14:creationId xmlns:p14="http://schemas.microsoft.com/office/powerpoint/2010/main" val="3901880252"/>
+      </p:ext>
+    </p:extLst>
+  </p:cSld>
+  <p:clrMapOvr>
+    <a:masterClrMapping/>
+  </p:clrMapOvr>
+</p:sld>
+</file>
+
+<file path=ppt/slides/slide13.xml><?xml version="1.0" encoding="utf-8"?>
+<p:sld xmlns:a="http://schemas.openxmlformats.org/drawingml/2006/main" xmlns:r="http://schemas.openxmlformats.org/officeDocument/2006/relationships" xmlns:p="http://schemas.openxmlformats.org/presentationml/2006/main">
+  <p:cSld>
+    <p:spTree>
+      <p:nvGrpSpPr>
+        <p:cNvPr id="1" name=""/>
+        <p:cNvGrpSpPr/>
+        <p:nvPr/>
+      </p:nvGrpSpPr>
+      <p:grpSpPr>
+        <a:xfrm>
+          <a:off x="0" y="0"/>
+          <a:ext cx="0" cy="0"/>
+          <a:chOff x="0" y="0"/>
+          <a:chExt cx="0" cy="0"/>
+        </a:xfrm>
+      </p:grpSpPr>
+      <p:sp>
+        <p:nvSpPr>
+          <p:cNvPr id="3" name="タイトル 1">
+            <a:extLst>
+              <a:ext uri="{FF2B5EF4-FFF2-40B4-BE49-F238E27FC236}">
+                <a16:creationId xmlns:a16="http://schemas.microsoft.com/office/drawing/2014/main" id="{DA9EE778-DCC5-3040-9087-5B00F4C1F6EB}"/>
+              </a:ext>
+            </a:extLst>
+          </p:cNvPr>
+          <p:cNvSpPr>
+            <a:spLocks noGrp="1"/>
+          </p:cNvSpPr>
+          <p:nvPr>
+            <p:ph type="title"/>
+          </p:nvPr>
+        </p:nvSpPr>
+        <p:spPr>
+          <a:xfrm>
+            <a:off x="628650" y="365126"/>
+            <a:ext cx="7886700" cy="1325563"/>
+          </a:xfrm>
+        </p:spPr>
+        <p:txBody>
+          <a:bodyPr/>
+          <a:lstStyle/>
+          <a:p>
+            <a:r>
+              <a:rPr lang="ja-JP" altLang="en-US">
+                <a:latin typeface="Gen Shin Gothic Medium" panose="020B0402020203020207" pitchFamily="34" charset="-128"/>
+                <a:ea typeface="Gen Shin Gothic Medium" panose="020B0402020203020207" pitchFamily="34" charset="-128"/>
+                <a:cs typeface="Gen Shin Gothic Medium" panose="020B0402020203020207" pitchFamily="34" charset="-128"/>
+              </a:rPr>
+              <a:t>インデックス</a:t>
+            </a:r>
+            <a:endParaRPr kumimoji="1" lang="ja-JP" altLang="en-US">
+              <a:latin typeface="Gen Shin Gothic Medium" panose="020B0402020203020207" pitchFamily="34" charset="-128"/>
+              <a:ea typeface="Gen Shin Gothic Medium" panose="020B0402020203020207" pitchFamily="34" charset="-128"/>
+              <a:cs typeface="Gen Shin Gothic Medium" panose="020B0402020203020207" pitchFamily="34" charset="-128"/>
+            </a:endParaRPr>
+          </a:p>
+        </p:txBody>
+      </p:sp>
+      <p:sp>
+        <p:nvSpPr>
+          <p:cNvPr id="4" name="コンテンツ プレースホルダー 2">
+            <a:extLst>
+              <a:ext uri="{FF2B5EF4-FFF2-40B4-BE49-F238E27FC236}">
+                <a16:creationId xmlns:a16="http://schemas.microsoft.com/office/drawing/2014/main" id="{DF3958B9-2478-D94E-B34E-1ACF8A3EB15B}"/>
+              </a:ext>
+            </a:extLst>
+          </p:cNvPr>
+          <p:cNvSpPr txBox="1">
+            <a:spLocks/>
+          </p:cNvSpPr>
+          <p:nvPr/>
+        </p:nvSpPr>
+        <p:spPr>
+          <a:xfrm>
+            <a:off x="628650" y="1825625"/>
+            <a:ext cx="7886700" cy="4351338"/>
+          </a:xfrm>
+          <a:prstGeom prst="rect">
+            <a:avLst/>
+          </a:prstGeom>
+        </p:spPr>
+        <p:txBody>
+          <a:bodyPr/>
+          <a:lstStyle>
+            <a:lvl1pPr marL="228600" indent="-228600" algn="l" defTabSz="914400" rtl="0" eaLnBrk="1" latinLnBrk="0" hangingPunct="1">
+              <a:lnSpc>
+                <a:spcPct val="90000"/>
+              </a:lnSpc>
+              <a:spcBef>
+                <a:spcPts val="1000"/>
+              </a:spcBef>
+              <a:buFont typeface="Arial" panose="020B0604020202020204" pitchFamily="34" charset="0"/>
+              <a:buChar char="•"/>
+              <a:defRPr kumimoji="1" sz="2800" kern="1200">
+                <a:solidFill>
+                  <a:schemeClr val="tx1"/>
+                </a:solidFill>
+                <a:latin typeface="+mn-lt"/>
+                <a:ea typeface="+mn-ea"/>
+                <a:cs typeface="+mn-cs"/>
+              </a:defRPr>
+            </a:lvl1pPr>
+            <a:lvl2pPr marL="685800" indent="-228600" algn="l" defTabSz="914400" rtl="0" eaLnBrk="1" latinLnBrk="0" hangingPunct="1">
+              <a:lnSpc>
+                <a:spcPct val="90000"/>
+              </a:lnSpc>
+              <a:spcBef>
+                <a:spcPts val="500"/>
+              </a:spcBef>
+              <a:buFont typeface="Arial" panose="020B0604020202020204" pitchFamily="34" charset="0"/>
+              <a:buChar char="•"/>
+              <a:defRPr kumimoji="1" sz="2400" kern="1200">
+                <a:solidFill>
+                  <a:schemeClr val="tx1"/>
+                </a:solidFill>
+                <a:latin typeface="+mn-lt"/>
+                <a:ea typeface="+mn-ea"/>
+                <a:cs typeface="+mn-cs"/>
+              </a:defRPr>
+            </a:lvl2pPr>
+            <a:lvl3pPr marL="1143000" indent="-228600" algn="l" defTabSz="914400" rtl="0" eaLnBrk="1" latinLnBrk="0" hangingPunct="1">
+              <a:lnSpc>
+                <a:spcPct val="90000"/>
+              </a:lnSpc>
+              <a:spcBef>
+                <a:spcPts val="500"/>
+              </a:spcBef>
+              <a:buFont typeface="Arial" panose="020B0604020202020204" pitchFamily="34" charset="0"/>
+              <a:buChar char="•"/>
+              <a:defRPr kumimoji="1" sz="2000" kern="1200">
+                <a:solidFill>
+                  <a:schemeClr val="tx1"/>
+                </a:solidFill>
+                <a:latin typeface="+mn-lt"/>
+                <a:ea typeface="+mn-ea"/>
+                <a:cs typeface="+mn-cs"/>
+              </a:defRPr>
+            </a:lvl3pPr>
+            <a:lvl4pPr marL="1600200" indent="-228600" algn="l" defTabSz="914400" rtl="0" eaLnBrk="1" latinLnBrk="0" hangingPunct="1">
+              <a:lnSpc>
+                <a:spcPct val="90000"/>
+              </a:lnSpc>
+              <a:spcBef>
+                <a:spcPts val="500"/>
+              </a:spcBef>
+              <a:buFont typeface="Arial" panose="020B0604020202020204" pitchFamily="34" charset="0"/>
+              <a:buChar char="•"/>
+              <a:defRPr kumimoji="1" sz="1800" kern="1200">
+                <a:solidFill>
+                  <a:schemeClr val="tx1"/>
+                </a:solidFill>
+                <a:latin typeface="+mn-lt"/>
+                <a:ea typeface="+mn-ea"/>
+                <a:cs typeface="+mn-cs"/>
+              </a:defRPr>
+            </a:lvl4pPr>
+            <a:lvl5pPr marL="2057400" indent="-228600" algn="l" defTabSz="914400" rtl="0" eaLnBrk="1" latinLnBrk="0" hangingPunct="1">
+              <a:lnSpc>
+                <a:spcPct val="90000"/>
+              </a:lnSpc>
+              <a:spcBef>
+                <a:spcPts val="500"/>
+              </a:spcBef>
+              <a:buFont typeface="Arial" panose="020B0604020202020204" pitchFamily="34" charset="0"/>
+              <a:buChar char="•"/>
+              <a:defRPr kumimoji="1" sz="1800" kern="1200">
+                <a:solidFill>
+                  <a:schemeClr val="tx1"/>
+                </a:solidFill>
+                <a:latin typeface="+mn-lt"/>
+                <a:ea typeface="+mn-ea"/>
+                <a:cs typeface="+mn-cs"/>
+              </a:defRPr>
+            </a:lvl5pPr>
+            <a:lvl6pPr marL="2514600" indent="-228600" algn="l" defTabSz="914400" rtl="0" eaLnBrk="1" latinLnBrk="0" hangingPunct="1">
+              <a:lnSpc>
+                <a:spcPct val="90000"/>
+              </a:lnSpc>
+              <a:spcBef>
+                <a:spcPts val="500"/>
+              </a:spcBef>
+              <a:buFont typeface="Arial" panose="020B0604020202020204" pitchFamily="34" charset="0"/>
+              <a:buChar char="•"/>
+              <a:defRPr kumimoji="1" sz="1800" kern="1200">
+                <a:solidFill>
+                  <a:schemeClr val="tx1"/>
+                </a:solidFill>
+                <a:latin typeface="+mn-lt"/>
+                <a:ea typeface="+mn-ea"/>
+                <a:cs typeface="+mn-cs"/>
+              </a:defRPr>
+            </a:lvl6pPr>
+            <a:lvl7pPr marL="2971800" indent="-228600" algn="l" defTabSz="914400" rtl="0" eaLnBrk="1" latinLnBrk="0" hangingPunct="1">
+              <a:lnSpc>
+                <a:spcPct val="90000"/>
+              </a:lnSpc>
+              <a:spcBef>
+                <a:spcPts val="500"/>
+              </a:spcBef>
+              <a:buFont typeface="Arial" panose="020B0604020202020204" pitchFamily="34" charset="0"/>
+              <a:buChar char="•"/>
+              <a:defRPr kumimoji="1" sz="1800" kern="1200">
+                <a:solidFill>
+                  <a:schemeClr val="tx1"/>
+                </a:solidFill>
+                <a:latin typeface="+mn-lt"/>
+                <a:ea typeface="+mn-ea"/>
+                <a:cs typeface="+mn-cs"/>
+              </a:defRPr>
+            </a:lvl7pPr>
+            <a:lvl8pPr marL="3429000" indent="-228600" algn="l" defTabSz="914400" rtl="0" eaLnBrk="1" latinLnBrk="0" hangingPunct="1">
+              <a:lnSpc>
+                <a:spcPct val="90000"/>
+              </a:lnSpc>
+              <a:spcBef>
+                <a:spcPts val="500"/>
+              </a:spcBef>
+              <a:buFont typeface="Arial" panose="020B0604020202020204" pitchFamily="34" charset="0"/>
+              <a:buChar char="•"/>
+              <a:defRPr kumimoji="1" sz="1800" kern="1200">
+                <a:solidFill>
+                  <a:schemeClr val="tx1"/>
+                </a:solidFill>
+                <a:latin typeface="+mn-lt"/>
+                <a:ea typeface="+mn-ea"/>
+                <a:cs typeface="+mn-cs"/>
+              </a:defRPr>
+            </a:lvl8pPr>
+            <a:lvl9pPr marL="3886200" indent="-228600" algn="l" defTabSz="914400" rtl="0" eaLnBrk="1" latinLnBrk="0" hangingPunct="1">
+              <a:lnSpc>
+                <a:spcPct val="90000"/>
+              </a:lnSpc>
+              <a:spcBef>
+                <a:spcPts val="500"/>
+              </a:spcBef>
+              <a:buFont typeface="Arial" panose="020B0604020202020204" pitchFamily="34" charset="0"/>
+              <a:buChar char="•"/>
+              <a:defRPr kumimoji="1" sz="1800" kern="1200">
+                <a:solidFill>
+                  <a:schemeClr val="tx1"/>
+                </a:solidFill>
+                <a:latin typeface="+mn-lt"/>
+                <a:ea typeface="+mn-ea"/>
+                <a:cs typeface="+mn-cs"/>
+              </a:defRPr>
+            </a:lvl9pPr>
+          </a:lstStyle>
+          <a:p>
+            <a:pPr marL="0" indent="0">
+              <a:buNone/>
+            </a:pPr>
+            <a:r>
+              <a:rPr lang="ja-JP" altLang="en-US">
+                <a:latin typeface="Gen Shin Gothic Medium" panose="020B0402020203020207" pitchFamily="34" charset="-128"/>
+                <a:ea typeface="Gen Shin Gothic Medium" panose="020B0402020203020207" pitchFamily="34" charset="-128"/>
+                <a:cs typeface="Gen Shin Gothic Medium" panose="020B0402020203020207" pitchFamily="34" charset="-128"/>
+              </a:rPr>
+              <a:t>コミットが作られる前の段階</a:t>
+            </a:r>
+            <a:endParaRPr lang="en-US" altLang="ja-JP" dirty="0">
+              <a:latin typeface="Gen Shin Gothic Medium" panose="020B0402020203020207" pitchFamily="34" charset="-128"/>
+              <a:ea typeface="Gen Shin Gothic Medium" panose="020B0402020203020207" pitchFamily="34" charset="-128"/>
+              <a:cs typeface="Gen Shin Gothic Medium" panose="020B0402020203020207" pitchFamily="34" charset="-128"/>
+            </a:endParaRPr>
+          </a:p>
+        </p:txBody>
+      </p:sp>
+    </p:spTree>
+    <p:extLst>
+      <p:ext uri="{BB962C8B-B14F-4D97-AF65-F5344CB8AC3E}">
+        <p14:creationId xmlns:p14="http://schemas.microsoft.com/office/powerpoint/2010/main" val="1409877740"/>
+      </p:ext>
+    </p:extLst>
+  </p:cSld>
+  <p:clrMapOvr>
+    <a:masterClrMapping/>
+  </p:clrMapOvr>
+</p:sld>
+</file>
+
+<file path=ppt/slides/slide14.xml><?xml version="1.0" encoding="utf-8"?>
+<p:sld xmlns:a="http://schemas.openxmlformats.org/drawingml/2006/main" xmlns:r="http://schemas.openxmlformats.org/officeDocument/2006/relationships" xmlns:p="http://schemas.openxmlformats.org/presentationml/2006/main">
+  <p:cSld>
+    <p:spTree>
+      <p:nvGrpSpPr>
+        <p:cNvPr id="1" name=""/>
+        <p:cNvGrpSpPr/>
+        <p:nvPr/>
+      </p:nvGrpSpPr>
+      <p:grpSpPr>
+        <a:xfrm>
+          <a:off x="0" y="0"/>
+          <a:ext cx="0" cy="0"/>
+          <a:chOff x="0" y="0"/>
+          <a:chExt cx="0" cy="0"/>
+        </a:xfrm>
+      </p:grpSpPr>
+      <p:sp>
+        <p:nvSpPr>
+          <p:cNvPr id="3" name="タイトル 1">
+            <a:extLst>
+              <a:ext uri="{FF2B5EF4-FFF2-40B4-BE49-F238E27FC236}">
+                <a16:creationId xmlns:a16="http://schemas.microsoft.com/office/drawing/2014/main" id="{DA9EE778-DCC5-3040-9087-5B00F4C1F6EB}"/>
+              </a:ext>
+            </a:extLst>
+          </p:cNvPr>
+          <p:cNvSpPr>
+            <a:spLocks noGrp="1"/>
+          </p:cNvSpPr>
+          <p:nvPr>
+            <p:ph type="title"/>
+          </p:nvPr>
+        </p:nvSpPr>
+        <p:spPr>
+          <a:xfrm>
+            <a:off x="628650" y="365126"/>
+            <a:ext cx="7886700" cy="1325563"/>
+          </a:xfrm>
+        </p:spPr>
+        <p:txBody>
+          <a:bodyPr/>
+          <a:lstStyle/>
+          <a:p>
+            <a:r>
+              <a:rPr lang="ja-JP" altLang="en-US">
+                <a:latin typeface="Gen Shin Gothic Medium" panose="020B0402020203020207" pitchFamily="34" charset="-128"/>
+                <a:ea typeface="Gen Shin Gothic Medium" panose="020B0402020203020207" pitchFamily="34" charset="-128"/>
+                <a:cs typeface="Gen Shin Gothic Medium" panose="020B0402020203020207" pitchFamily="34" charset="-128"/>
+              </a:rPr>
               <a:t>ヘッド</a:t>
             </a:r>
             <a:endParaRPr kumimoji="1" lang="ja-JP" altLang="en-US">
@@ -4435,7 +5503,7 @@
 </p:sld>
 </file>
 
-<file path=ppt/slides/slide13.xml><?xml version="1.0" encoding="utf-8"?>
+<file path=ppt/slides/slide15.xml><?xml version="1.0" encoding="utf-8"?>
 <p:sld xmlns:a="http://schemas.openxmlformats.org/drawingml/2006/main" xmlns:r="http://schemas.openxmlformats.org/officeDocument/2006/relationships" xmlns:p="http://schemas.openxmlformats.org/presentationml/2006/main">
   <p:cSld>
     <p:spTree>
@@ -5102,6 +6170,36 @@
           </a:p>
         </p:txBody>
       </p:sp>
+      <p:pic>
+        <p:nvPicPr>
+          <p:cNvPr id="5" name="図 4">
+            <a:extLst>
+              <a:ext uri="{FF2B5EF4-FFF2-40B4-BE49-F238E27FC236}">
+                <a16:creationId xmlns:a16="http://schemas.microsoft.com/office/drawing/2014/main" id="{AB2F4ACC-F15C-F549-839B-AB0FA1935760}"/>
+              </a:ext>
+            </a:extLst>
+          </p:cNvPr>
+          <p:cNvPicPr>
+            <a:picLocks noChangeAspect="1"/>
+          </p:cNvPicPr>
+          <p:nvPr/>
+        </p:nvPicPr>
+        <p:blipFill>
+          <a:blip r:embed="rId2"/>
+          <a:stretch>
+            <a:fillRect/>
+          </a:stretch>
+        </p:blipFill>
+        <p:spPr>
+          <a:xfrm>
+            <a:off x="3302000" y="3258751"/>
+            <a:ext cx="2540000" cy="2540000"/>
+          </a:xfrm>
+          <a:prstGeom prst="rect">
+            <a:avLst/>
+          </a:prstGeom>
+        </p:spPr>
+      </p:pic>
     </p:spTree>
     <p:extLst>
       <p:ext uri="{BB962C8B-B14F-4D97-AF65-F5344CB8AC3E}">
@@ -5939,6 +7037,36 @@
           </a:p>
         </p:txBody>
       </p:sp>
+      <p:pic>
+        <p:nvPicPr>
+          <p:cNvPr id="5" name="図 4">
+            <a:extLst>
+              <a:ext uri="{FF2B5EF4-FFF2-40B4-BE49-F238E27FC236}">
+                <a16:creationId xmlns:a16="http://schemas.microsoft.com/office/drawing/2014/main" id="{C6DD3F65-3A88-094E-8498-E373A1BA9D71}"/>
+              </a:ext>
+            </a:extLst>
+          </p:cNvPr>
+          <p:cNvPicPr>
+            <a:picLocks noChangeAspect="1"/>
+          </p:cNvPicPr>
+          <p:nvPr/>
+        </p:nvPicPr>
+        <p:blipFill>
+          <a:blip r:embed="rId2"/>
+          <a:stretch>
+            <a:fillRect/>
+          </a:stretch>
+        </p:blipFill>
+        <p:spPr>
+          <a:xfrm>
+            <a:off x="628650" y="4256411"/>
+            <a:ext cx="2233827" cy="2144474"/>
+          </a:xfrm>
+          <a:prstGeom prst="rect">
+            <a:avLst/>
+          </a:prstGeom>
+        </p:spPr>
+      </p:pic>
     </p:spTree>
     <p:extLst>
       <p:ext uri="{BB962C8B-B14F-4D97-AF65-F5344CB8AC3E}">
@@ -6028,7 +7156,7 @@
         <p:spPr>
           <a:xfrm>
             <a:off x="628650" y="1825625"/>
-            <a:ext cx="7886700" cy="4351338"/>
+            <a:ext cx="7886700" cy="1643704"/>
           </a:xfrm>
           <a:prstGeom prst="rect">
             <a:avLst/>
@@ -6212,6 +7340,179 @@
               </a:rPr>
               <a:t>古いバージョンのファイルに別名を与えたもの</a:t>
             </a:r>
+            <a:endParaRPr lang="en-US" altLang="ja-JP" dirty="0">
+              <a:latin typeface="Gen Shin Gothic Medium" panose="020B0402020203020207" pitchFamily="34" charset="-128"/>
+              <a:ea typeface="Gen Shin Gothic Medium" panose="020B0402020203020207" pitchFamily="34" charset="-128"/>
+              <a:cs typeface="Gen Shin Gothic Medium" panose="020B0402020203020207" pitchFamily="34" charset="-128"/>
+            </a:endParaRPr>
+          </a:p>
+          <a:p>
+            <a:pPr marL="0" indent="0">
+              <a:buNone/>
+            </a:pPr>
+            <a:endParaRPr lang="en-US" altLang="ja-JP" dirty="0">
+              <a:latin typeface="Gen Shin Gothic Medium" panose="020B0402020203020207" pitchFamily="34" charset="-128"/>
+              <a:ea typeface="Gen Shin Gothic Medium" panose="020B0402020203020207" pitchFamily="34" charset="-128"/>
+              <a:cs typeface="Gen Shin Gothic Medium" panose="020B0402020203020207" pitchFamily="34" charset="-128"/>
+            </a:endParaRPr>
+          </a:p>
+          <a:p>
+            <a:pPr marL="0" indent="0">
+              <a:buNone/>
+            </a:pPr>
+            <a:r>
+              <a:rPr lang="ja-JP" altLang="en-US">
+                <a:latin typeface="Gen Shin Gothic Medium" panose="020B0402020203020207" pitchFamily="34" charset="-128"/>
+                <a:ea typeface="Gen Shin Gothic Medium" panose="020B0402020203020207" pitchFamily="34" charset="-128"/>
+                <a:cs typeface="Gen Shin Gothic Medium" panose="020B0402020203020207" pitchFamily="34" charset="-128"/>
+              </a:rPr>
+              <a:t>ということでまずは適当にファイルを作る</a:t>
+            </a:r>
+          </a:p>
+        </p:txBody>
+      </p:sp>
+      <p:sp>
+        <p:nvSpPr>
+          <p:cNvPr id="5" name="正方形/長方形 4">
+            <a:extLst>
+              <a:ext uri="{FF2B5EF4-FFF2-40B4-BE49-F238E27FC236}">
+                <a16:creationId xmlns:a16="http://schemas.microsoft.com/office/drawing/2014/main" id="{79018B3B-CCC1-EC4F-B5C9-B8AD362C0C65}"/>
+              </a:ext>
+            </a:extLst>
+          </p:cNvPr>
+          <p:cNvSpPr/>
+          <p:nvPr/>
+        </p:nvSpPr>
+        <p:spPr>
+          <a:xfrm>
+            <a:off x="628650" y="3604265"/>
+            <a:ext cx="6773476" cy="1200329"/>
+          </a:xfrm>
+          <a:prstGeom prst="rect">
+            <a:avLst/>
+          </a:prstGeom>
+          <a:solidFill>
+            <a:schemeClr val="tx1"/>
+          </a:solidFill>
+        </p:spPr>
+        <p:txBody>
+          <a:bodyPr wrap="square">
+            <a:spAutoFit/>
+          </a:bodyPr>
+          <a:lstStyle/>
+          <a:p>
+            <a:r>
+              <a:rPr lang="en" altLang="ja-JP" dirty="0">
+                <a:solidFill>
+                  <a:srgbClr val="28FE14"/>
+                </a:solidFill>
+                <a:latin typeface="Andale Mono" panose="020B0509000000000004" pitchFamily="49" charset="0"/>
+              </a:rPr>
+              <a:t>$ cat </a:t>
+            </a:r>
+            <a:r>
+              <a:rPr lang="en" altLang="ja-JP" dirty="0" err="1">
+                <a:solidFill>
+                  <a:srgbClr val="28FE14"/>
+                </a:solidFill>
+                <a:latin typeface="Andale Mono" panose="020B0509000000000004" pitchFamily="49" charset="0"/>
+              </a:rPr>
+              <a:t>sample.csv</a:t>
+            </a:r>
+            <a:r>
+              <a:rPr lang="en" altLang="ja-JP" dirty="0">
+                <a:solidFill>
+                  <a:srgbClr val="28FE14"/>
+                </a:solidFill>
+                <a:latin typeface="Andale Mono" panose="020B0509000000000004" pitchFamily="49" charset="0"/>
+              </a:rPr>
+              <a:t> </a:t>
+            </a:r>
+          </a:p>
+          <a:p>
+            <a:r>
+              <a:rPr lang="en" altLang="ja-JP" dirty="0">
+                <a:solidFill>
+                  <a:srgbClr val="28FE14"/>
+                </a:solidFill>
+                <a:latin typeface="Andale Mono" panose="020B0509000000000004" pitchFamily="49" charset="0"/>
+              </a:rPr>
+              <a:t>71,fb2735f5-88f3-48ec-8b7a-109c1cfea7f0,</a:t>
+            </a:r>
+            <a:r>
+              <a:rPr lang="ja-JP" altLang="en-US">
+                <a:solidFill>
+                  <a:srgbClr val="28FE14"/>
+                </a:solidFill>
+                <a:latin typeface="Andale Mono" panose="020B0509000000000004" pitchFamily="49" charset="0"/>
+              </a:rPr>
+              <a:t>田中 愛菜</a:t>
+            </a:r>
+          </a:p>
+          <a:p>
+            <a:r>
+              <a:rPr lang="en-US" altLang="ja-JP" dirty="0">
+                <a:solidFill>
+                  <a:srgbClr val="28FE14"/>
+                </a:solidFill>
+                <a:latin typeface="Andale Mono" panose="020B0509000000000004" pitchFamily="49" charset="0"/>
+              </a:rPr>
+              <a:t>83,</a:t>
+            </a:r>
+            <a:r>
+              <a:rPr lang="en" altLang="ja-JP" dirty="0">
+                <a:solidFill>
+                  <a:srgbClr val="28FE14"/>
+                </a:solidFill>
+                <a:latin typeface="Andale Mono" panose="020B0509000000000004" pitchFamily="49" charset="0"/>
+              </a:rPr>
+              <a:t>bd3f7e8f-99c4-4882-b0be-5cc26670f92a,</a:t>
+            </a:r>
+            <a:r>
+              <a:rPr lang="ja-JP" altLang="en-US">
+                <a:solidFill>
+                  <a:srgbClr val="28FE14"/>
+                </a:solidFill>
+                <a:latin typeface="Andale Mono" panose="020B0509000000000004" pitchFamily="49" charset="0"/>
+              </a:rPr>
+              <a:t>山本 美咲</a:t>
+            </a:r>
+          </a:p>
+          <a:p>
+            <a:r>
+              <a:rPr lang="en-US" altLang="ja-JP" dirty="0">
+                <a:solidFill>
+                  <a:srgbClr val="28FE14"/>
+                </a:solidFill>
+                <a:latin typeface="Andale Mono" panose="020B0509000000000004" pitchFamily="49" charset="0"/>
+              </a:rPr>
+              <a:t>51,</a:t>
+            </a:r>
+            <a:r>
+              <a:rPr lang="en" altLang="ja-JP" dirty="0">
+                <a:solidFill>
+                  <a:srgbClr val="28FE14"/>
+                </a:solidFill>
+                <a:latin typeface="Andale Mono" panose="020B0509000000000004" pitchFamily="49" charset="0"/>
+              </a:rPr>
+              <a:t>ccf3a690-d087-4c69-b843-ccf7b1f393ed,</a:t>
+            </a:r>
+            <a:r>
+              <a:rPr lang="ja-JP" altLang="en-US">
+                <a:solidFill>
+                  <a:srgbClr val="28FE14"/>
+                </a:solidFill>
+                <a:latin typeface="Andale Mono" panose="020B0509000000000004" pitchFamily="49" charset="0"/>
+              </a:rPr>
+              <a:t>鈴木 大翔</a:t>
+            </a:r>
+            <a:endParaRPr lang="ja-JP" altLang="en-US">
+              <a:solidFill>
+                <a:srgbClr val="28FE14"/>
+              </a:solidFill>
+              <a:effectLst/>
+              <a:latin typeface="Andale Mono" panose="020B0509000000000004" pitchFamily="49" charset="0"/>
+            </a:endParaRPr>
           </a:p>
         </p:txBody>
       </p:sp>
@@ -6531,8 +7832,8 @@
         </p:nvSpPr>
         <p:spPr>
           <a:xfrm>
-            <a:off x="628650" y="2879833"/>
-            <a:ext cx="7886700" cy="3297129"/>
+            <a:off x="628650" y="2879834"/>
+            <a:ext cx="7886700" cy="1618026"/>
           </a:xfrm>
           <a:prstGeom prst="rect">
             <a:avLst/>
@@ -6716,6 +8017,125 @@
               </a:rPr>
               <a:t>バージョンの時系列・前後関係を与えている！</a:t>
             </a:r>
+            <a:endParaRPr lang="en-US" altLang="ja-JP" dirty="0">
+              <a:latin typeface="Gen Shin Gothic Medium" panose="020B0402020203020207" pitchFamily="34" charset="-128"/>
+              <a:ea typeface="Gen Shin Gothic Medium" panose="020B0402020203020207" pitchFamily="34" charset="-128"/>
+              <a:cs typeface="Gen Shin Gothic Medium" panose="020B0402020203020207" pitchFamily="34" charset="-128"/>
+            </a:endParaRPr>
+          </a:p>
+          <a:p>
+            <a:pPr marL="0" indent="0">
+              <a:buNone/>
+            </a:pPr>
+            <a:endParaRPr lang="en-US" altLang="ja-JP" dirty="0">
+              <a:latin typeface="Gen Shin Gothic Medium" panose="020B0402020203020207" pitchFamily="34" charset="-128"/>
+              <a:ea typeface="Gen Shin Gothic Medium" panose="020B0402020203020207" pitchFamily="34" charset="-128"/>
+              <a:cs typeface="Gen Shin Gothic Medium" panose="020B0402020203020207" pitchFamily="34" charset="-128"/>
+            </a:endParaRPr>
+          </a:p>
+          <a:p>
+            <a:pPr marL="0" indent="0">
+              <a:buNone/>
+            </a:pPr>
+            <a:r>
+              <a:rPr lang="ja-JP" altLang="en-US">
+                <a:latin typeface="Gen Shin Gothic Medium" panose="020B0402020203020207" pitchFamily="34" charset="-128"/>
+                <a:ea typeface="Gen Shin Gothic Medium" panose="020B0402020203020207" pitchFamily="34" charset="-128"/>
+                <a:cs typeface="Gen Shin Gothic Medium" panose="020B0402020203020207" pitchFamily="34" charset="-128"/>
+              </a:rPr>
+              <a:t>試しにコミットを作ってみよう</a:t>
+            </a:r>
+          </a:p>
+        </p:txBody>
+      </p:sp>
+      <p:sp>
+        <p:nvSpPr>
+          <p:cNvPr id="2" name="正方形/長方形 1">
+            <a:extLst>
+              <a:ext uri="{FF2B5EF4-FFF2-40B4-BE49-F238E27FC236}">
+                <a16:creationId xmlns:a16="http://schemas.microsoft.com/office/drawing/2014/main" id="{652DE2A3-245E-A046-94D9-24E8E8CF0C62}"/>
+              </a:ext>
+            </a:extLst>
+          </p:cNvPr>
+          <p:cNvSpPr/>
+          <p:nvPr/>
+        </p:nvSpPr>
+        <p:spPr>
+          <a:xfrm>
+            <a:off x="628650" y="4760618"/>
+            <a:ext cx="6303491" cy="1200329"/>
+          </a:xfrm>
+          <a:prstGeom prst="rect">
+            <a:avLst/>
+          </a:prstGeom>
+          <a:solidFill>
+            <a:schemeClr val="tx1"/>
+          </a:solidFill>
+        </p:spPr>
+        <p:txBody>
+          <a:bodyPr wrap="square">
+            <a:spAutoFit/>
+          </a:bodyPr>
+          <a:lstStyle/>
+          <a:p>
+            <a:r>
+              <a:rPr lang="en" altLang="ja-JP" dirty="0">
+                <a:solidFill>
+                  <a:srgbClr val="28FE14"/>
+                </a:solidFill>
+                <a:latin typeface="Andale Mono" panose="020B0509000000000004" pitchFamily="49" charset="0"/>
+              </a:rPr>
+              <a:t>$ git add . &amp;&amp; git commit -m "First commit"</a:t>
+            </a:r>
+          </a:p>
+          <a:p>
+            <a:r>
+              <a:rPr lang="en" altLang="ja-JP" dirty="0">
+                <a:solidFill>
+                  <a:srgbClr val="28FE14"/>
+                </a:solidFill>
+                <a:latin typeface="Andale Mono" panose="020B0509000000000004" pitchFamily="49" charset="0"/>
+              </a:rPr>
+              <a:t>[master (root-commit) a117493] First commit</a:t>
+            </a:r>
+          </a:p>
+          <a:p>
+            <a:r>
+              <a:rPr lang="en" altLang="ja-JP" dirty="0">
+                <a:solidFill>
+                  <a:srgbClr val="28FE14"/>
+                </a:solidFill>
+                <a:latin typeface="Andale Mono" panose="020B0509000000000004" pitchFamily="49" charset="0"/>
+              </a:rPr>
+              <a:t> 1 file changed, 3 insertions(+)</a:t>
+            </a:r>
+          </a:p>
+          <a:p>
+            <a:r>
+              <a:rPr lang="en" altLang="ja-JP" dirty="0">
+                <a:solidFill>
+                  <a:srgbClr val="28FE14"/>
+                </a:solidFill>
+                <a:latin typeface="Andale Mono" panose="020B0509000000000004" pitchFamily="49" charset="0"/>
+              </a:rPr>
+              <a:t> create mode 100644 </a:t>
+            </a:r>
+            <a:r>
+              <a:rPr lang="en" altLang="ja-JP" dirty="0" err="1">
+                <a:solidFill>
+                  <a:srgbClr val="28FE14"/>
+                </a:solidFill>
+                <a:latin typeface="Andale Mono" panose="020B0509000000000004" pitchFamily="49" charset="0"/>
+              </a:rPr>
+              <a:t>sample.csv</a:t>
+            </a:r>
+            <a:endParaRPr lang="en" altLang="ja-JP" dirty="0">
+              <a:solidFill>
+                <a:srgbClr val="28FE14"/>
+              </a:solidFill>
+              <a:effectLst/>
+              <a:latin typeface="Andale Mono" panose="020B0509000000000004" pitchFamily="49" charset="0"/>
+            </a:endParaRPr>
           </a:p>
         </p:txBody>
       </p:sp>
@@ -6781,7 +8201,7 @@
                 <a:ea typeface="Gen Shin Gothic Medium" panose="020B0402020203020207" pitchFamily="34" charset="-128"/>
                 <a:cs typeface="Gen Shin Gothic Medium" panose="020B0402020203020207" pitchFamily="34" charset="-128"/>
               </a:rPr>
-              <a:t>リポジトリ</a:t>
+              <a:t>コミットの中身</a:t>
             </a:r>
             <a:endParaRPr kumimoji="1" lang="ja-JP" altLang="en-US">
               <a:latin typeface="Gen Shin Gothic Medium" panose="020B0402020203020207" pitchFamily="34" charset="-128"/>
@@ -6793,308 +8213,162 @@
       </p:sp>
       <p:sp>
         <p:nvSpPr>
-          <p:cNvPr id="4" name="コンテンツ プレースホルダー 2">
+          <p:cNvPr id="7" name="正方形/長方形 6">
             <a:extLst>
               <a:ext uri="{FF2B5EF4-FFF2-40B4-BE49-F238E27FC236}">
-                <a16:creationId xmlns:a16="http://schemas.microsoft.com/office/drawing/2014/main" id="{5896B39B-0C0B-1B43-B3DA-860BC2E3325F}"/>
+                <a16:creationId xmlns:a16="http://schemas.microsoft.com/office/drawing/2014/main" id="{D663968E-82B0-CF49-8D9A-FA97F46F1B58}"/>
               </a:ext>
             </a:extLst>
           </p:cNvPr>
-          <p:cNvSpPr txBox="1">
-            <a:spLocks/>
-          </p:cNvSpPr>
+          <p:cNvSpPr/>
           <p:nvPr/>
         </p:nvSpPr>
         <p:spPr>
           <a:xfrm>
-            <a:off x="628650" y="1825625"/>
-            <a:ext cx="7886700" cy="4351338"/>
+            <a:off x="628650" y="1829995"/>
+            <a:ext cx="7886700" cy="2830390"/>
           </a:xfrm>
           <a:prstGeom prst="rect">
             <a:avLst/>
           </a:prstGeom>
         </p:spPr>
         <p:txBody>
-          <a:bodyPr/>
-          <a:lstStyle>
-            <a:lvl1pPr marL="228600" indent="-228600" algn="l" defTabSz="914400" rtl="0" eaLnBrk="1" latinLnBrk="0" hangingPunct="1">
-              <a:lnSpc>
-                <a:spcPct val="90000"/>
-              </a:lnSpc>
-              <a:spcBef>
-                <a:spcPts val="1000"/>
-              </a:spcBef>
-              <a:buFont typeface="Arial" panose="020B0604020202020204" pitchFamily="34" charset="0"/>
-              <a:buChar char="•"/>
-              <a:defRPr kumimoji="1" sz="2800" kern="1200">
-                <a:solidFill>
-                  <a:schemeClr val="tx1"/>
-                </a:solidFill>
-                <a:latin typeface="+mn-lt"/>
-                <a:ea typeface="+mn-ea"/>
-                <a:cs typeface="+mn-cs"/>
-              </a:defRPr>
-            </a:lvl1pPr>
-            <a:lvl2pPr marL="685800" indent="-228600" algn="l" defTabSz="914400" rtl="0" eaLnBrk="1" latinLnBrk="0" hangingPunct="1">
-              <a:lnSpc>
-                <a:spcPct val="90000"/>
-              </a:lnSpc>
-              <a:spcBef>
-                <a:spcPts val="500"/>
-              </a:spcBef>
-              <a:buFont typeface="Arial" panose="020B0604020202020204" pitchFamily="34" charset="0"/>
-              <a:buChar char="•"/>
-              <a:defRPr kumimoji="1" sz="2400" kern="1200">
-                <a:solidFill>
-                  <a:schemeClr val="tx1"/>
-                </a:solidFill>
-                <a:latin typeface="+mn-lt"/>
-                <a:ea typeface="+mn-ea"/>
-                <a:cs typeface="+mn-cs"/>
-              </a:defRPr>
-            </a:lvl2pPr>
-            <a:lvl3pPr marL="1143000" indent="-228600" algn="l" defTabSz="914400" rtl="0" eaLnBrk="1" latinLnBrk="0" hangingPunct="1">
-              <a:lnSpc>
-                <a:spcPct val="90000"/>
-              </a:lnSpc>
-              <a:spcBef>
-                <a:spcPts val="500"/>
-              </a:spcBef>
-              <a:buFont typeface="Arial" panose="020B0604020202020204" pitchFamily="34" charset="0"/>
-              <a:buChar char="•"/>
-              <a:defRPr kumimoji="1" sz="2000" kern="1200">
-                <a:solidFill>
-                  <a:schemeClr val="tx1"/>
-                </a:solidFill>
-                <a:latin typeface="+mn-lt"/>
-                <a:ea typeface="+mn-ea"/>
-                <a:cs typeface="+mn-cs"/>
-              </a:defRPr>
-            </a:lvl3pPr>
-            <a:lvl4pPr marL="1600200" indent="-228600" algn="l" defTabSz="914400" rtl="0" eaLnBrk="1" latinLnBrk="0" hangingPunct="1">
-              <a:lnSpc>
-                <a:spcPct val="90000"/>
-              </a:lnSpc>
-              <a:spcBef>
-                <a:spcPts val="500"/>
-              </a:spcBef>
-              <a:buFont typeface="Arial" panose="020B0604020202020204" pitchFamily="34" charset="0"/>
-              <a:buChar char="•"/>
-              <a:defRPr kumimoji="1" sz="1800" kern="1200">
-                <a:solidFill>
-                  <a:schemeClr val="tx1"/>
-                </a:solidFill>
-                <a:latin typeface="+mn-lt"/>
-                <a:ea typeface="+mn-ea"/>
-                <a:cs typeface="+mn-cs"/>
-              </a:defRPr>
-            </a:lvl4pPr>
-            <a:lvl5pPr marL="2057400" indent="-228600" algn="l" defTabSz="914400" rtl="0" eaLnBrk="1" latinLnBrk="0" hangingPunct="1">
-              <a:lnSpc>
-                <a:spcPct val="90000"/>
-              </a:lnSpc>
-              <a:spcBef>
-                <a:spcPts val="500"/>
-              </a:spcBef>
-              <a:buFont typeface="Arial" panose="020B0604020202020204" pitchFamily="34" charset="0"/>
-              <a:buChar char="•"/>
-              <a:defRPr kumimoji="1" sz="1800" kern="1200">
-                <a:solidFill>
-                  <a:schemeClr val="tx1"/>
-                </a:solidFill>
-                <a:latin typeface="+mn-lt"/>
-                <a:ea typeface="+mn-ea"/>
-                <a:cs typeface="+mn-cs"/>
-              </a:defRPr>
-            </a:lvl5pPr>
-            <a:lvl6pPr marL="2514600" indent="-228600" algn="l" defTabSz="914400" rtl="0" eaLnBrk="1" latinLnBrk="0" hangingPunct="1">
-              <a:lnSpc>
-                <a:spcPct val="90000"/>
-              </a:lnSpc>
-              <a:spcBef>
-                <a:spcPts val="500"/>
-              </a:spcBef>
-              <a:buFont typeface="Arial" panose="020B0604020202020204" pitchFamily="34" charset="0"/>
-              <a:buChar char="•"/>
-              <a:defRPr kumimoji="1" sz="1800" kern="1200">
-                <a:solidFill>
-                  <a:schemeClr val="tx1"/>
-                </a:solidFill>
-                <a:latin typeface="+mn-lt"/>
-                <a:ea typeface="+mn-ea"/>
-                <a:cs typeface="+mn-cs"/>
-              </a:defRPr>
-            </a:lvl6pPr>
-            <a:lvl7pPr marL="2971800" indent="-228600" algn="l" defTabSz="914400" rtl="0" eaLnBrk="1" latinLnBrk="0" hangingPunct="1">
-              <a:lnSpc>
-                <a:spcPct val="90000"/>
-              </a:lnSpc>
-              <a:spcBef>
-                <a:spcPts val="500"/>
-              </a:spcBef>
-              <a:buFont typeface="Arial" panose="020B0604020202020204" pitchFamily="34" charset="0"/>
-              <a:buChar char="•"/>
-              <a:defRPr kumimoji="1" sz="1800" kern="1200">
-                <a:solidFill>
-                  <a:schemeClr val="tx1"/>
-                </a:solidFill>
-                <a:latin typeface="+mn-lt"/>
-                <a:ea typeface="+mn-ea"/>
-                <a:cs typeface="+mn-cs"/>
-              </a:defRPr>
-            </a:lvl7pPr>
-            <a:lvl8pPr marL="3429000" indent="-228600" algn="l" defTabSz="914400" rtl="0" eaLnBrk="1" latinLnBrk="0" hangingPunct="1">
-              <a:lnSpc>
-                <a:spcPct val="90000"/>
-              </a:lnSpc>
-              <a:spcBef>
-                <a:spcPts val="500"/>
-              </a:spcBef>
-              <a:buFont typeface="Arial" panose="020B0604020202020204" pitchFamily="34" charset="0"/>
-              <a:buChar char="•"/>
-              <a:defRPr kumimoji="1" sz="1800" kern="1200">
-                <a:solidFill>
-                  <a:schemeClr val="tx1"/>
-                </a:solidFill>
-                <a:latin typeface="+mn-lt"/>
-                <a:ea typeface="+mn-ea"/>
-                <a:cs typeface="+mn-cs"/>
-              </a:defRPr>
-            </a:lvl8pPr>
-            <a:lvl9pPr marL="3886200" indent="-228600" algn="l" defTabSz="914400" rtl="0" eaLnBrk="1" latinLnBrk="0" hangingPunct="1">
-              <a:lnSpc>
-                <a:spcPct val="90000"/>
-              </a:lnSpc>
-              <a:spcBef>
-                <a:spcPts val="500"/>
-              </a:spcBef>
-              <a:buFont typeface="Arial" panose="020B0604020202020204" pitchFamily="34" charset="0"/>
-              <a:buChar char="•"/>
-              <a:defRPr kumimoji="1" sz="1800" kern="1200">
-                <a:solidFill>
-                  <a:schemeClr val="tx1"/>
-                </a:solidFill>
-                <a:latin typeface="+mn-lt"/>
-                <a:ea typeface="+mn-ea"/>
-                <a:cs typeface="+mn-cs"/>
-              </a:defRPr>
-            </a:lvl9pPr>
-          </a:lstStyle>
-          <a:p>
-            <a:pPr marL="0" indent="0">
-              <a:buNone/>
+          <a:bodyPr wrap="square">
+            <a:spAutoFit/>
+          </a:bodyPr>
+          <a:lstStyle/>
+          <a:p>
+            <a:r>
+              <a:rPr lang="ja-JP" altLang="en-US" sz="2800">
+                <a:latin typeface="Gen Shin Gothic" panose="020B0302020203020207" pitchFamily="34" charset="-128"/>
+                <a:ea typeface="Gen Shin Gothic" panose="020B0302020203020207" pitchFamily="34" charset="-128"/>
+                <a:cs typeface="Gen Shin Gothic" panose="020B0302020203020207" pitchFamily="34" charset="-128"/>
+              </a:rPr>
+              <a:t>実はコミットには他に以下の3つを保存してる</a:t>
+            </a:r>
+          </a:p>
+          <a:p>
+            <a:endParaRPr lang="ja-JP" altLang="en-US" sz="2800">
+              <a:latin typeface="Gen Shin Gothic" panose="020B0302020203020207" pitchFamily="34" charset="-128"/>
+              <a:ea typeface="Gen Shin Gothic" panose="020B0302020203020207" pitchFamily="34" charset="-128"/>
+              <a:cs typeface="Gen Shin Gothic" panose="020B0302020203020207" pitchFamily="34" charset="-128"/>
+            </a:endParaRPr>
+          </a:p>
+          <a:p>
+            <a:pPr marL="457200" indent="-274638">
+              <a:lnSpc>
+                <a:spcPct val="150000"/>
+              </a:lnSpc>
+              <a:buFont typeface="Arial" panose="020B0604020202020204" pitchFamily="34" charset="0"/>
+              <a:buChar char="•"/>
             </a:pPr>
             <a:r>
-              <a:rPr lang="ja-JP" altLang="en-US">
-                <a:latin typeface="Gen Shin Gothic Medium" panose="020B0402020203020207" pitchFamily="34" charset="-128"/>
-                <a:ea typeface="Gen Shin Gothic Medium" panose="020B0402020203020207" pitchFamily="34" charset="-128"/>
-                <a:cs typeface="Gen Shin Gothic Medium" panose="020B0402020203020207" pitchFamily="34" charset="-128"/>
-              </a:rPr>
-              <a:t>ブロブやコミットを保存しておく貯蔵庫</a:t>
-            </a:r>
-            <a:endParaRPr lang="en-US" altLang="ja-JP" dirty="0">
-              <a:latin typeface="Gen Shin Gothic Medium" panose="020B0402020203020207" pitchFamily="34" charset="-128"/>
-              <a:ea typeface="Gen Shin Gothic Medium" panose="020B0402020203020207" pitchFamily="34" charset="-128"/>
-              <a:cs typeface="Gen Shin Gothic Medium" panose="020B0402020203020207" pitchFamily="34" charset="-128"/>
+              <a:rPr lang="ja-JP" altLang="en-US" sz="2800">
+                <a:latin typeface="Gen Shin Gothic" panose="020B0302020203020207" pitchFamily="34" charset="-128"/>
+                <a:ea typeface="Gen Shin Gothic" panose="020B0302020203020207" pitchFamily="34" charset="-128"/>
+                <a:cs typeface="Gen Shin Gothic" panose="020B0302020203020207" pitchFamily="34" charset="-128"/>
+              </a:rPr>
+              <a:t>誰がコミットしたか</a:t>
+            </a:r>
+            <a:r>
+              <a:rPr lang="en-US" altLang="ja-JP" sz="2800" dirty="0">
+                <a:latin typeface="Gen Shin Gothic" panose="020B0302020203020207" pitchFamily="34" charset="-128"/>
+                <a:ea typeface="Gen Shin Gothic" panose="020B0302020203020207" pitchFamily="34" charset="-128"/>
+                <a:cs typeface="Gen Shin Gothic" panose="020B0302020203020207" pitchFamily="34" charset="-128"/>
+              </a:rPr>
+              <a:t> (</a:t>
+            </a:r>
+            <a:r>
+              <a:rPr lang="ja-JP" altLang="en-US" sz="2800">
+                <a:latin typeface="Gen Shin Gothic" panose="020B0302020203020207" pitchFamily="34" charset="-128"/>
+                <a:ea typeface="Gen Shin Gothic" panose="020B0302020203020207" pitchFamily="34" charset="-128"/>
+                <a:cs typeface="Gen Shin Gothic" panose="020B0302020203020207" pitchFamily="34" charset="-128"/>
+              </a:rPr>
+              <a:t>名前とメールアドレス</a:t>
+            </a:r>
+            <a:r>
+              <a:rPr lang="en-US" altLang="ja-JP" sz="2800" dirty="0">
+                <a:latin typeface="Gen Shin Gothic" panose="020B0302020203020207" pitchFamily="34" charset="-128"/>
+                <a:ea typeface="Gen Shin Gothic" panose="020B0302020203020207" pitchFamily="34" charset="-128"/>
+                <a:cs typeface="Gen Shin Gothic" panose="020B0302020203020207" pitchFamily="34" charset="-128"/>
+              </a:rPr>
+              <a:t>)</a:t>
+            </a:r>
+            <a:endParaRPr lang="ja-JP" altLang="en-US" sz="2800">
+              <a:latin typeface="Gen Shin Gothic" panose="020B0302020203020207" pitchFamily="34" charset="-128"/>
+              <a:ea typeface="Gen Shin Gothic" panose="020B0302020203020207" pitchFamily="34" charset="-128"/>
+              <a:cs typeface="Gen Shin Gothic" panose="020B0302020203020207" pitchFamily="34" charset="-128"/>
             </a:endParaRPr>
           </a:p>
           <a:p>
-            <a:pPr marL="0" indent="0">
-              <a:buNone/>
+            <a:pPr marL="457200" indent="-274638">
+              <a:lnSpc>
+                <a:spcPct val="150000"/>
+              </a:lnSpc>
+              <a:buFont typeface="Arial" panose="020B0604020202020204" pitchFamily="34" charset="0"/>
+              <a:buChar char="•"/>
             </a:pPr>
             <a:r>
-              <a:rPr lang="en" altLang="ja-JP" sz="3600" dirty="0">
-                <a:latin typeface="Gen Shin Gothic Medium" panose="020B0402020203020207" pitchFamily="34" charset="-128"/>
-                <a:ea typeface="Gen Shin Gothic Medium" panose="020B0402020203020207" pitchFamily="34" charset="-128"/>
-                <a:cs typeface="Gen Shin Gothic Medium" panose="020B0402020203020207" pitchFamily="34" charset="-128"/>
-              </a:rPr>
-              <a:t>git</a:t>
-            </a:r>
-            <a:r>
-              <a:rPr lang="en" altLang="ja-JP" dirty="0">
-                <a:latin typeface="Gen Shin Gothic Medium" panose="020B0402020203020207" pitchFamily="34" charset="-128"/>
-                <a:ea typeface="Gen Shin Gothic Medium" panose="020B0402020203020207" pitchFamily="34" charset="-128"/>
-                <a:cs typeface="Gen Shin Gothic Medium" panose="020B0402020203020207" pitchFamily="34" charset="-128"/>
-              </a:rPr>
-              <a:t> </a:t>
-            </a:r>
-            <a:r>
-              <a:rPr lang="ja-JP" altLang="en-US">
-                <a:latin typeface="Gen Shin Gothic Medium" panose="020B0402020203020207" pitchFamily="34" charset="-128"/>
-                <a:ea typeface="Gen Shin Gothic Medium" panose="020B0402020203020207" pitchFamily="34" charset="-128"/>
-                <a:cs typeface="Gen Shin Gothic Medium" panose="020B0402020203020207" pitchFamily="34" charset="-128"/>
-              </a:rPr>
-              <a:t>というフォルダがリポジトリの本体</a:t>
-            </a:r>
-            <a:endParaRPr lang="en-US" altLang="ja-JP" dirty="0">
-              <a:latin typeface="Gen Shin Gothic Medium" panose="020B0402020203020207" pitchFamily="34" charset="-128"/>
-              <a:ea typeface="Gen Shin Gothic Medium" panose="020B0402020203020207" pitchFamily="34" charset="-128"/>
-              <a:cs typeface="Gen Shin Gothic Medium" panose="020B0402020203020207" pitchFamily="34" charset="-128"/>
+              <a:rPr lang="ja-JP" altLang="en-US" sz="2800">
+                <a:latin typeface="Gen Shin Gothic" panose="020B0302020203020207" pitchFamily="34" charset="-128"/>
+                <a:ea typeface="Gen Shin Gothic" panose="020B0302020203020207" pitchFamily="34" charset="-128"/>
+                <a:cs typeface="Gen Shin Gothic" panose="020B0302020203020207" pitchFamily="34" charset="-128"/>
+              </a:rPr>
+              <a:t>いつコミットしたか</a:t>
+            </a:r>
+          </a:p>
+          <a:p>
+            <a:pPr marL="457200" indent="-274638">
+              <a:lnSpc>
+                <a:spcPct val="150000"/>
+              </a:lnSpc>
+              <a:buFont typeface="Arial" panose="020B0604020202020204" pitchFamily="34" charset="0"/>
+              <a:buChar char="•"/>
+            </a:pPr>
+            <a:r>
+              <a:rPr lang="ja-JP" altLang="en-US" sz="2800">
+                <a:latin typeface="Gen Shin Gothic" panose="020B0302020203020207" pitchFamily="34" charset="-128"/>
+                <a:ea typeface="Gen Shin Gothic" panose="020B0302020203020207" pitchFamily="34" charset="-128"/>
+                <a:cs typeface="Gen Shin Gothic" panose="020B0302020203020207" pitchFamily="34" charset="-128"/>
+              </a:rPr>
+              <a:t>コミットメッセージ</a:t>
+            </a:r>
+            <a:r>
+              <a:rPr lang="en-US" altLang="ja-JP" sz="2800" dirty="0">
+                <a:latin typeface="Gen Shin Gothic" panose="020B0302020203020207" pitchFamily="34" charset="-128"/>
+                <a:ea typeface="Gen Shin Gothic" panose="020B0302020203020207" pitchFamily="34" charset="-128"/>
+                <a:cs typeface="Gen Shin Gothic" panose="020B0302020203020207" pitchFamily="34" charset="-128"/>
+              </a:rPr>
+              <a:t> (</a:t>
+            </a:r>
+            <a:r>
+              <a:rPr lang="ja-JP" altLang="en-US" sz="2800">
+                <a:latin typeface="Gen Shin Gothic" panose="020B0302020203020207" pitchFamily="34" charset="-128"/>
+                <a:ea typeface="Gen Shin Gothic" panose="020B0302020203020207" pitchFamily="34" charset="-128"/>
+                <a:cs typeface="Gen Shin Gothic" panose="020B0302020203020207" pitchFamily="34" charset="-128"/>
+              </a:rPr>
+              <a:t>"First commit" の部分</a:t>
+            </a:r>
+            <a:r>
+              <a:rPr lang="en-US" altLang="ja-JP" sz="2800" dirty="0">
+                <a:latin typeface="Gen Shin Gothic" panose="020B0302020203020207" pitchFamily="34" charset="-128"/>
+                <a:ea typeface="Gen Shin Gothic" panose="020B0302020203020207" pitchFamily="34" charset="-128"/>
+                <a:cs typeface="Gen Shin Gothic" panose="020B0302020203020207" pitchFamily="34" charset="-128"/>
+              </a:rPr>
+              <a:t>)</a:t>
+            </a:r>
+            <a:endParaRPr lang="ja-JP" altLang="en-US" sz="2800">
+              <a:latin typeface="Gen Shin Gothic" panose="020B0302020203020207" pitchFamily="34" charset="-128"/>
+              <a:ea typeface="Gen Shin Gothic" panose="020B0302020203020207" pitchFamily="34" charset="-128"/>
+              <a:cs typeface="Gen Shin Gothic" panose="020B0302020203020207" pitchFamily="34" charset="-128"/>
             </a:endParaRPr>
-          </a:p>
-          <a:p>
-            <a:pPr marL="0" indent="0">
-              <a:buNone/>
-            </a:pPr>
-            <a:endParaRPr lang="en-US" altLang="ja-JP" dirty="0">
-              <a:latin typeface="Gen Shin Gothic Medium" panose="020B0402020203020207" pitchFamily="34" charset="-128"/>
-              <a:ea typeface="Gen Shin Gothic Medium" panose="020B0402020203020207" pitchFamily="34" charset="-128"/>
-              <a:cs typeface="Gen Shin Gothic Medium" panose="020B0402020203020207" pitchFamily="34" charset="-128"/>
-            </a:endParaRPr>
-          </a:p>
-          <a:p>
-            <a:pPr marL="0" indent="0">
-              <a:buNone/>
-            </a:pPr>
-            <a:r>
-              <a:rPr lang="en" altLang="ja-JP" sz="3600" dirty="0">
-                <a:latin typeface="Gen Shin Gothic Medium" panose="020B0402020203020207" pitchFamily="34" charset="-128"/>
-                <a:ea typeface="Gen Shin Gothic Medium" panose="020B0402020203020207" pitchFamily="34" charset="-128"/>
-                <a:cs typeface="Gen Shin Gothic Medium" panose="020B0402020203020207" pitchFamily="34" charset="-128"/>
-              </a:rPr>
-              <a:t>git</a:t>
-            </a:r>
-            <a:r>
-              <a:rPr lang="en" altLang="ja-JP" dirty="0">
-                <a:latin typeface="Gen Shin Gothic Medium" panose="020B0402020203020207" pitchFamily="34" charset="-128"/>
-                <a:ea typeface="Gen Shin Gothic Medium" panose="020B0402020203020207" pitchFamily="34" charset="-128"/>
-                <a:cs typeface="Gen Shin Gothic Medium" panose="020B0402020203020207" pitchFamily="34" charset="-128"/>
-              </a:rPr>
-              <a:t> </a:t>
-            </a:r>
-            <a:r>
-              <a:rPr lang="ja-JP" altLang="en-US">
-                <a:latin typeface="Gen Shin Gothic Medium" panose="020B0402020203020207" pitchFamily="34" charset="-128"/>
-                <a:ea typeface="Gen Shin Gothic Medium" panose="020B0402020203020207" pitchFamily="34" charset="-128"/>
-                <a:cs typeface="Gen Shin Gothic Medium" panose="020B0402020203020207" pitchFamily="34" charset="-128"/>
-              </a:rPr>
-              <a:t>というフォルダの中に </a:t>
-            </a:r>
-            <a:endParaRPr lang="en-US" altLang="ja-JP" dirty="0">
-              <a:latin typeface="Gen Shin Gothic Medium" panose="020B0402020203020207" pitchFamily="34" charset="-128"/>
-              <a:ea typeface="Gen Shin Gothic Medium" panose="020B0402020203020207" pitchFamily="34" charset="-128"/>
-              <a:cs typeface="Gen Shin Gothic Medium" panose="020B0402020203020207" pitchFamily="34" charset="-128"/>
-            </a:endParaRPr>
-          </a:p>
-          <a:p>
-            <a:pPr marL="0" indent="0">
-              <a:buNone/>
-            </a:pPr>
-            <a:r>
-              <a:rPr lang="ja-JP" altLang="en-US" sz="3600" b="1">
-                <a:latin typeface="Gen Shin Gothic Medium" panose="020B0402020203020207" pitchFamily="34" charset="-128"/>
-                <a:ea typeface="Gen Shin Gothic Medium" panose="020B0402020203020207" pitchFamily="34" charset="-128"/>
-                <a:cs typeface="Gen Shin Gothic Medium" panose="020B0402020203020207" pitchFamily="34" charset="-128"/>
-              </a:rPr>
-              <a:t>全ての古いバージョンのファイルやコミットが詰まっている</a:t>
-            </a:r>
           </a:p>
         </p:txBody>
       </p:sp>
     </p:spTree>
     <p:extLst>
       <p:ext uri="{BB962C8B-B14F-4D97-AF65-F5344CB8AC3E}">
-        <p14:creationId xmlns:p14="http://schemas.microsoft.com/office/powerpoint/2010/main" val="1990236587"/>
+        <p14:creationId xmlns:p14="http://schemas.microsoft.com/office/powerpoint/2010/main" val="1960442939"/>
       </p:ext>
     </p:extLst>
   </p:cSld>
@@ -7123,10 +8397,10 @@
       </p:grpSpPr>
       <p:sp>
         <p:nvSpPr>
-          <p:cNvPr id="2" name="タイトル 1">
+          <p:cNvPr id="3" name="タイトル 1">
             <a:extLst>
               <a:ext uri="{FF2B5EF4-FFF2-40B4-BE49-F238E27FC236}">
-                <a16:creationId xmlns:a16="http://schemas.microsoft.com/office/drawing/2014/main" id="{6197A6E3-3051-B14C-BDE7-8B728AA504EA}"/>
+                <a16:creationId xmlns:a16="http://schemas.microsoft.com/office/drawing/2014/main" id="{DA9EE778-DCC5-3040-9087-5B00F4C1F6EB}"/>
               </a:ext>
             </a:extLst>
           </p:cNvPr>
@@ -7137,53 +8411,23 @@
             <p:ph type="title"/>
           </p:nvPr>
         </p:nvSpPr>
-        <p:spPr/>
+        <p:spPr>
+          <a:xfrm>
+            <a:off x="628650" y="365126"/>
+            <a:ext cx="7886700" cy="1325563"/>
+          </a:xfrm>
+        </p:spPr>
         <p:txBody>
           <a:bodyPr/>
           <a:lstStyle/>
           <a:p>
-            <a:r>
-              <a:rPr lang="en" altLang="ja-JP" sz="5400" dirty="0">
-                <a:solidFill>
-                  <a:schemeClr val="accent1"/>
-                </a:solidFill>
-                <a:latin typeface="Gen Shin Gothic Medium" panose="020B0402020203020207" pitchFamily="34" charset="-128"/>
-                <a:ea typeface="Gen Shin Gothic Medium" panose="020B0402020203020207" pitchFamily="34" charset="-128"/>
-                <a:cs typeface="Gen Shin Gothic Medium" panose="020B0402020203020207" pitchFamily="34" charset="-128"/>
-              </a:rPr>
-              <a:t>git</a:t>
-            </a:r>
-            <a:r>
-              <a:rPr lang="en" altLang="ja-JP" dirty="0">
-                <a:latin typeface="Gen Shin Gothic Medium" panose="020B0402020203020207" pitchFamily="34" charset="-128"/>
-                <a:ea typeface="Gen Shin Gothic Medium" panose="020B0402020203020207" pitchFamily="34" charset="-128"/>
-                <a:cs typeface="Gen Shin Gothic Medium" panose="020B0402020203020207" pitchFamily="34" charset="-128"/>
-              </a:rPr>
-              <a:t> </a:t>
-            </a:r>
             <a:r>
               <a:rPr lang="ja-JP" altLang="en-US">
                 <a:latin typeface="Gen Shin Gothic Medium" panose="020B0402020203020207" pitchFamily="34" charset="-128"/>
                 <a:ea typeface="Gen Shin Gothic Medium" panose="020B0402020203020207" pitchFamily="34" charset="-128"/>
                 <a:cs typeface="Gen Shin Gothic Medium" panose="020B0402020203020207" pitchFamily="34" charset="-128"/>
               </a:rPr>
-              <a:t>の</a:t>
-            </a:r>
-            <a:r>
-              <a:rPr lang="en-US" altLang="ja-JP" dirty="0">
-                <a:latin typeface="Gen Shin Gothic Medium" panose="020B0402020203020207" pitchFamily="34" charset="-128"/>
-                <a:ea typeface="Gen Shin Gothic Medium" panose="020B0402020203020207" pitchFamily="34" charset="-128"/>
-                <a:cs typeface="Gen Shin Gothic Medium" panose="020B0402020203020207" pitchFamily="34" charset="-128"/>
-              </a:rPr>
-              <a:t>3</a:t>
-            </a:r>
-            <a:r>
-              <a:rPr lang="ja-JP" altLang="en-US">
-                <a:latin typeface="Gen Shin Gothic Medium" panose="020B0402020203020207" pitchFamily="34" charset="-128"/>
-                <a:ea typeface="Gen Shin Gothic Medium" panose="020B0402020203020207" pitchFamily="34" charset="-128"/>
-                <a:cs typeface="Gen Shin Gothic Medium" panose="020B0402020203020207" pitchFamily="34" charset="-128"/>
-              </a:rPr>
-              <a:t>つの世界</a:t>
+              <a:t>コミットの中身</a:t>
             </a:r>
             <a:endParaRPr kumimoji="1" lang="ja-JP" altLang="en-US">
               <a:latin typeface="Gen Shin Gothic Medium" panose="020B0402020203020207" pitchFamily="34" charset="-128"/>
@@ -7195,522 +8439,223 @@
       </p:sp>
       <p:sp>
         <p:nvSpPr>
-          <p:cNvPr id="3" name="コンテンツ プレースホルダー 2">
+          <p:cNvPr id="6" name="正方形/長方形 5">
             <a:extLst>
               <a:ext uri="{FF2B5EF4-FFF2-40B4-BE49-F238E27FC236}">
-                <a16:creationId xmlns:a16="http://schemas.microsoft.com/office/drawing/2014/main" id="{912F3FB3-057B-F14F-85DC-4D861A9F395F}"/>
+                <a16:creationId xmlns:a16="http://schemas.microsoft.com/office/drawing/2014/main" id="{6239323A-C29A-AD46-ADDD-6DC02B5E8E03}"/>
               </a:ext>
             </a:extLst>
           </p:cNvPr>
-          <p:cNvSpPr>
-            <a:spLocks noGrp="1"/>
-          </p:cNvSpPr>
-          <p:nvPr>
-            <p:ph idx="1"/>
-          </p:nvPr>
+          <p:cNvSpPr/>
+          <p:nvPr/>
         </p:nvSpPr>
         <p:spPr>
           <a:xfrm>
-            <a:off x="628650" y="1825625"/>
-            <a:ext cx="7886700" cy="1653299"/>
+            <a:off x="628650" y="2983675"/>
+            <a:ext cx="7886700" cy="3416320"/>
           </a:xfrm>
+          <a:prstGeom prst="rect">
+            <a:avLst/>
+          </a:prstGeom>
+          <a:solidFill>
+            <a:schemeClr val="tx1"/>
+          </a:solidFill>
         </p:spPr>
         <p:txBody>
-          <a:bodyPr>
-            <a:normAutofit/>
+          <a:bodyPr wrap="square">
+            <a:spAutoFit/>
           </a:bodyPr>
           <a:lstStyle/>
           <a:p>
-            <a:pPr marL="514350" indent="-514350">
-              <a:buFont typeface="+mj-lt"/>
-              <a:buAutoNum type="arabicPeriod"/>
-            </a:pPr>
-            <a:r>
-              <a:rPr lang="ja-JP" altLang="en-US">
-                <a:latin typeface="Gen Shin Gothic Medium" panose="020B0402020203020207" pitchFamily="34" charset="-128"/>
-                <a:ea typeface="Gen Shin Gothic Medium" panose="020B0402020203020207" pitchFamily="34" charset="-128"/>
-                <a:cs typeface="Gen Shin Gothic Medium" panose="020B0402020203020207" pitchFamily="34" charset="-128"/>
-              </a:rPr>
-              <a:t>ワークツリー</a:t>
-            </a:r>
-          </a:p>
-          <a:p>
-            <a:pPr marL="514350" indent="-514350">
-              <a:buFont typeface="+mj-lt"/>
-              <a:buAutoNum type="arabicPeriod"/>
-            </a:pPr>
-            <a:r>
-              <a:rPr lang="ja-JP" altLang="en-US">
-                <a:latin typeface="Gen Shin Gothic Medium" panose="020B0402020203020207" pitchFamily="34" charset="-128"/>
-                <a:ea typeface="Gen Shin Gothic Medium" panose="020B0402020203020207" pitchFamily="34" charset="-128"/>
-                <a:cs typeface="Gen Shin Gothic Medium" panose="020B0402020203020207" pitchFamily="34" charset="-128"/>
-              </a:rPr>
-              <a:t>インデックス</a:t>
-            </a:r>
-          </a:p>
-          <a:p>
-            <a:pPr marL="514350" indent="-514350">
-              <a:buFont typeface="+mj-lt"/>
-              <a:buAutoNum type="arabicPeriod"/>
-            </a:pPr>
-            <a:r>
-              <a:rPr lang="ja-JP" altLang="en-US">
-                <a:latin typeface="Gen Shin Gothic Medium" panose="020B0402020203020207" pitchFamily="34" charset="-128"/>
-                <a:ea typeface="Gen Shin Gothic Medium" panose="020B0402020203020207" pitchFamily="34" charset="-128"/>
-                <a:cs typeface="Gen Shin Gothic Medium" panose="020B0402020203020207" pitchFamily="34" charset="-128"/>
-              </a:rPr>
-              <a:t>ヘッド</a:t>
-            </a:r>
-          </a:p>
-        </p:txBody>
-      </p:sp>
-      <p:sp>
-        <p:nvSpPr>
-          <p:cNvPr id="4" name="コンテンツ プレースホルダー 2">
+            <a:r>
+              <a:rPr lang="en" altLang="ja-JP" dirty="0">
+                <a:solidFill>
+                  <a:srgbClr val="28FE14"/>
+                </a:solidFill>
+                <a:latin typeface="Andale Mono" panose="020B0509000000000004" pitchFamily="49" charset="0"/>
+              </a:rPr>
+              <a:t>Your name and email address were configured automatically based</a:t>
+            </a:r>
+          </a:p>
+          <a:p>
+            <a:r>
+              <a:rPr lang="en" altLang="ja-JP" dirty="0">
+                <a:solidFill>
+                  <a:srgbClr val="28FE14"/>
+                </a:solidFill>
+                <a:latin typeface="Andale Mono" panose="020B0509000000000004" pitchFamily="49" charset="0"/>
+              </a:rPr>
+              <a:t>on your username and hostname. Please check that they are accurate.</a:t>
+            </a:r>
+          </a:p>
+          <a:p>
+            <a:r>
+              <a:rPr lang="en" altLang="ja-JP" dirty="0">
+                <a:solidFill>
+                  <a:srgbClr val="28FE14"/>
+                </a:solidFill>
+                <a:latin typeface="Andale Mono" panose="020B0509000000000004" pitchFamily="49" charset="0"/>
+              </a:rPr>
+              <a:t>You can suppress this message by setting them explicitly:</a:t>
+            </a:r>
+          </a:p>
+          <a:p>
+            <a:br>
+              <a:rPr lang="en" altLang="ja-JP" dirty="0">
+                <a:solidFill>
+                  <a:srgbClr val="28FE14"/>
+                </a:solidFill>
+                <a:latin typeface="Andale Mono" panose="020B0509000000000004" pitchFamily="49" charset="0"/>
+              </a:rPr>
+            </a:br>
+            <a:endParaRPr lang="en" altLang="ja-JP" dirty="0">
+              <a:solidFill>
+                <a:srgbClr val="28FE14"/>
+              </a:solidFill>
+              <a:latin typeface="Andale Mono" panose="020B0509000000000004" pitchFamily="49" charset="0"/>
+            </a:endParaRPr>
+          </a:p>
+          <a:p>
+            <a:r>
+              <a:rPr lang="en" altLang="ja-JP" dirty="0">
+                <a:solidFill>
+                  <a:srgbClr val="28FE14"/>
+                </a:solidFill>
+                <a:latin typeface="Andale Mono" panose="020B0509000000000004" pitchFamily="49" charset="0"/>
+              </a:rPr>
+              <a:t>    git config --global </a:t>
+            </a:r>
+            <a:r>
+              <a:rPr lang="en" altLang="ja-JP" dirty="0" err="1">
+                <a:solidFill>
+                  <a:srgbClr val="28FE14"/>
+                </a:solidFill>
+                <a:latin typeface="Andale Mono" panose="020B0509000000000004" pitchFamily="49" charset="0"/>
+              </a:rPr>
+              <a:t>user.name</a:t>
+            </a:r>
+            <a:r>
+              <a:rPr lang="en" altLang="ja-JP" dirty="0">
+                <a:solidFill>
+                  <a:srgbClr val="28FE14"/>
+                </a:solidFill>
+                <a:latin typeface="Andale Mono" panose="020B0509000000000004" pitchFamily="49" charset="0"/>
+              </a:rPr>
+              <a:t> "Your Name"</a:t>
+            </a:r>
+          </a:p>
+          <a:p>
+            <a:r>
+              <a:rPr lang="en" altLang="ja-JP" dirty="0">
+                <a:solidFill>
+                  <a:srgbClr val="28FE14"/>
+                </a:solidFill>
+                <a:latin typeface="Andale Mono" panose="020B0509000000000004" pitchFamily="49" charset="0"/>
+              </a:rPr>
+              <a:t>    git config --global </a:t>
+            </a:r>
+            <a:r>
+              <a:rPr lang="en" altLang="ja-JP" dirty="0" err="1">
+                <a:solidFill>
+                  <a:srgbClr val="28FE14"/>
+                </a:solidFill>
+                <a:latin typeface="Andale Mono" panose="020B0509000000000004" pitchFamily="49" charset="0"/>
+              </a:rPr>
+              <a:t>user.email</a:t>
+            </a:r>
+            <a:r>
+              <a:rPr lang="en" altLang="ja-JP" dirty="0">
+                <a:solidFill>
+                  <a:srgbClr val="28FE14"/>
+                </a:solidFill>
+                <a:latin typeface="Andale Mono" panose="020B0509000000000004" pitchFamily="49" charset="0"/>
+              </a:rPr>
+              <a:t> </a:t>
+            </a:r>
+            <a:r>
+              <a:rPr lang="en" altLang="ja-JP" dirty="0" err="1">
+                <a:solidFill>
+                  <a:srgbClr val="28FE14"/>
+                </a:solidFill>
+                <a:latin typeface="Andale Mono" panose="020B0509000000000004" pitchFamily="49" charset="0"/>
+              </a:rPr>
+              <a:t>you@example.com</a:t>
+            </a:r>
+            <a:endParaRPr lang="en" altLang="ja-JP" dirty="0">
+              <a:solidFill>
+                <a:srgbClr val="28FE14"/>
+              </a:solidFill>
+              <a:latin typeface="Andale Mono" panose="020B0509000000000004" pitchFamily="49" charset="0"/>
+            </a:endParaRPr>
+          </a:p>
+          <a:p>
+            <a:br>
+              <a:rPr lang="en" altLang="ja-JP" dirty="0">
+                <a:solidFill>
+                  <a:srgbClr val="28FE14"/>
+                </a:solidFill>
+                <a:latin typeface="Andale Mono" panose="020B0509000000000004" pitchFamily="49" charset="0"/>
+              </a:rPr>
+            </a:br>
+            <a:endParaRPr lang="en" altLang="ja-JP" dirty="0">
+              <a:solidFill>
+                <a:srgbClr val="28FE14"/>
+              </a:solidFill>
+              <a:effectLst/>
+              <a:latin typeface="Andale Mono" panose="020B0509000000000004" pitchFamily="49" charset="0"/>
+            </a:endParaRPr>
+          </a:p>
+        </p:txBody>
+      </p:sp>
+      <p:sp>
+        <p:nvSpPr>
+          <p:cNvPr id="4" name="正方形/長方形 3">
             <a:extLst>
               <a:ext uri="{FF2B5EF4-FFF2-40B4-BE49-F238E27FC236}">
-                <a16:creationId xmlns:a16="http://schemas.microsoft.com/office/drawing/2014/main" id="{8FE1D0CD-5C8C-EF42-8B5F-C464BA92BABD}"/>
+                <a16:creationId xmlns:a16="http://schemas.microsoft.com/office/drawing/2014/main" id="{06853456-4757-9440-B14A-8C00E1F6E827}"/>
               </a:ext>
             </a:extLst>
           </p:cNvPr>
-          <p:cNvSpPr txBox="1">
-            <a:spLocks/>
-          </p:cNvSpPr>
+          <p:cNvSpPr/>
           <p:nvPr/>
         </p:nvSpPr>
         <p:spPr>
           <a:xfrm>
-            <a:off x="628650" y="1825625"/>
-            <a:ext cx="7886700" cy="1653299"/>
+            <a:off x="628650" y="1860128"/>
+            <a:ext cx="7886700" cy="954107"/>
           </a:xfrm>
           <a:prstGeom prst="rect">
             <a:avLst/>
           </a:prstGeom>
         </p:spPr>
         <p:txBody>
-          <a:bodyPr vert="horz" lIns="91440" tIns="45720" rIns="91440" bIns="45720" rtlCol="0">
-            <a:normAutofit/>
+          <a:bodyPr wrap="square">
+            <a:spAutoFit/>
           </a:bodyPr>
-          <a:lstStyle>
-            <a:lvl1pPr marL="228600" indent="-228600" algn="l" defTabSz="914400" rtl="0" eaLnBrk="1" latinLnBrk="0" hangingPunct="1">
-              <a:lnSpc>
-                <a:spcPct val="90000"/>
-              </a:lnSpc>
-              <a:spcBef>
-                <a:spcPts val="1000"/>
-              </a:spcBef>
-              <a:buFont typeface="Arial" panose="020B0604020202020204" pitchFamily="34" charset="0"/>
-              <a:buChar char="•"/>
-              <a:defRPr kumimoji="1" sz="2800" kern="1200">
-                <a:solidFill>
-                  <a:schemeClr val="tx1"/>
-                </a:solidFill>
-                <a:latin typeface="+mn-lt"/>
-                <a:ea typeface="+mn-ea"/>
-                <a:cs typeface="+mn-cs"/>
-              </a:defRPr>
-            </a:lvl1pPr>
-            <a:lvl2pPr marL="685800" indent="-228600" algn="l" defTabSz="914400" rtl="0" eaLnBrk="1" latinLnBrk="0" hangingPunct="1">
-              <a:lnSpc>
-                <a:spcPct val="90000"/>
-              </a:lnSpc>
-              <a:spcBef>
-                <a:spcPts val="500"/>
-              </a:spcBef>
-              <a:buFont typeface="Arial" panose="020B0604020202020204" pitchFamily="34" charset="0"/>
-              <a:buChar char="•"/>
-              <a:defRPr kumimoji="1" sz="2400" kern="1200">
-                <a:solidFill>
-                  <a:schemeClr val="tx1"/>
-                </a:solidFill>
-                <a:latin typeface="+mn-lt"/>
-                <a:ea typeface="+mn-ea"/>
-                <a:cs typeface="+mn-cs"/>
-              </a:defRPr>
-            </a:lvl2pPr>
-            <a:lvl3pPr marL="1143000" indent="-228600" algn="l" defTabSz="914400" rtl="0" eaLnBrk="1" latinLnBrk="0" hangingPunct="1">
-              <a:lnSpc>
-                <a:spcPct val="90000"/>
-              </a:lnSpc>
-              <a:spcBef>
-                <a:spcPts val="500"/>
-              </a:spcBef>
-              <a:buFont typeface="Arial" panose="020B0604020202020204" pitchFamily="34" charset="0"/>
-              <a:buChar char="•"/>
-              <a:defRPr kumimoji="1" sz="2000" kern="1200">
-                <a:solidFill>
-                  <a:schemeClr val="tx1"/>
-                </a:solidFill>
-                <a:latin typeface="+mn-lt"/>
-                <a:ea typeface="+mn-ea"/>
-                <a:cs typeface="+mn-cs"/>
-              </a:defRPr>
-            </a:lvl3pPr>
-            <a:lvl4pPr marL="1600200" indent="-228600" algn="l" defTabSz="914400" rtl="0" eaLnBrk="1" latinLnBrk="0" hangingPunct="1">
-              <a:lnSpc>
-                <a:spcPct val="90000"/>
-              </a:lnSpc>
-              <a:spcBef>
-                <a:spcPts val="500"/>
-              </a:spcBef>
-              <a:buFont typeface="Arial" panose="020B0604020202020204" pitchFamily="34" charset="0"/>
-              <a:buChar char="•"/>
-              <a:defRPr kumimoji="1" sz="1800" kern="1200">
-                <a:solidFill>
-                  <a:schemeClr val="tx1"/>
-                </a:solidFill>
-                <a:latin typeface="+mn-lt"/>
-                <a:ea typeface="+mn-ea"/>
-                <a:cs typeface="+mn-cs"/>
-              </a:defRPr>
-            </a:lvl4pPr>
-            <a:lvl5pPr marL="2057400" indent="-228600" algn="l" defTabSz="914400" rtl="0" eaLnBrk="1" latinLnBrk="0" hangingPunct="1">
-              <a:lnSpc>
-                <a:spcPct val="90000"/>
-              </a:lnSpc>
-              <a:spcBef>
-                <a:spcPts val="500"/>
-              </a:spcBef>
-              <a:buFont typeface="Arial" panose="020B0604020202020204" pitchFamily="34" charset="0"/>
-              <a:buChar char="•"/>
-              <a:defRPr kumimoji="1" sz="1800" kern="1200">
-                <a:solidFill>
-                  <a:schemeClr val="tx1"/>
-                </a:solidFill>
-                <a:latin typeface="+mn-lt"/>
-                <a:ea typeface="+mn-ea"/>
-                <a:cs typeface="+mn-cs"/>
-              </a:defRPr>
-            </a:lvl5pPr>
-            <a:lvl6pPr marL="2514600" indent="-228600" algn="l" defTabSz="914400" rtl="0" eaLnBrk="1" latinLnBrk="0" hangingPunct="1">
-              <a:lnSpc>
-                <a:spcPct val="90000"/>
-              </a:lnSpc>
-              <a:spcBef>
-                <a:spcPts val="500"/>
-              </a:spcBef>
-              <a:buFont typeface="Arial" panose="020B0604020202020204" pitchFamily="34" charset="0"/>
-              <a:buChar char="•"/>
-              <a:defRPr kumimoji="1" sz="1800" kern="1200">
-                <a:solidFill>
-                  <a:schemeClr val="tx1"/>
-                </a:solidFill>
-                <a:latin typeface="+mn-lt"/>
-                <a:ea typeface="+mn-ea"/>
-                <a:cs typeface="+mn-cs"/>
-              </a:defRPr>
-            </a:lvl6pPr>
-            <a:lvl7pPr marL="2971800" indent="-228600" algn="l" defTabSz="914400" rtl="0" eaLnBrk="1" latinLnBrk="0" hangingPunct="1">
-              <a:lnSpc>
-                <a:spcPct val="90000"/>
-              </a:lnSpc>
-              <a:spcBef>
-                <a:spcPts val="500"/>
-              </a:spcBef>
-              <a:buFont typeface="Arial" panose="020B0604020202020204" pitchFamily="34" charset="0"/>
-              <a:buChar char="•"/>
-              <a:defRPr kumimoji="1" sz="1800" kern="1200">
-                <a:solidFill>
-                  <a:schemeClr val="tx1"/>
-                </a:solidFill>
-                <a:latin typeface="+mn-lt"/>
-                <a:ea typeface="+mn-ea"/>
-                <a:cs typeface="+mn-cs"/>
-              </a:defRPr>
-            </a:lvl7pPr>
-            <a:lvl8pPr marL="3429000" indent="-228600" algn="l" defTabSz="914400" rtl="0" eaLnBrk="1" latinLnBrk="0" hangingPunct="1">
-              <a:lnSpc>
-                <a:spcPct val="90000"/>
-              </a:lnSpc>
-              <a:spcBef>
-                <a:spcPts val="500"/>
-              </a:spcBef>
-              <a:buFont typeface="Arial" panose="020B0604020202020204" pitchFamily="34" charset="0"/>
-              <a:buChar char="•"/>
-              <a:defRPr kumimoji="1" sz="1800" kern="1200">
-                <a:solidFill>
-                  <a:schemeClr val="tx1"/>
-                </a:solidFill>
-                <a:latin typeface="+mn-lt"/>
-                <a:ea typeface="+mn-ea"/>
-                <a:cs typeface="+mn-cs"/>
-              </a:defRPr>
-            </a:lvl8pPr>
-            <a:lvl9pPr marL="3886200" indent="-228600" algn="l" defTabSz="914400" rtl="0" eaLnBrk="1" latinLnBrk="0" hangingPunct="1">
-              <a:lnSpc>
-                <a:spcPct val="90000"/>
-              </a:lnSpc>
-              <a:spcBef>
-                <a:spcPts val="500"/>
-              </a:spcBef>
-              <a:buFont typeface="Arial" panose="020B0604020202020204" pitchFamily="34" charset="0"/>
-              <a:buChar char="•"/>
-              <a:defRPr kumimoji="1" sz="1800" kern="1200">
-                <a:solidFill>
-                  <a:schemeClr val="tx1"/>
-                </a:solidFill>
-                <a:latin typeface="+mn-lt"/>
-                <a:ea typeface="+mn-ea"/>
-                <a:cs typeface="+mn-cs"/>
-              </a:defRPr>
-            </a:lvl9pPr>
-          </a:lstStyle>
-          <a:p>
-            <a:pPr marL="0" indent="0" algn="r">
-              <a:buNone/>
-            </a:pPr>
-            <a:r>
-              <a:rPr lang="en-US" altLang="ja-JP" dirty="0">
-                <a:latin typeface="Gen Shin Gothic Medium" panose="020B0402020203020207" pitchFamily="34" charset="-128"/>
-                <a:ea typeface="Gen Shin Gothic Medium" panose="020B0402020203020207" pitchFamily="34" charset="-128"/>
-                <a:cs typeface="Gen Shin Gothic Medium" panose="020B0402020203020207" pitchFamily="34" charset="-128"/>
-              </a:rPr>
-              <a:t>(Work Tree)</a:t>
-            </a:r>
-            <a:endParaRPr lang="ja-JP" altLang="en-US">
-              <a:latin typeface="Gen Shin Gothic Medium" panose="020B0402020203020207" pitchFamily="34" charset="-128"/>
-              <a:ea typeface="Gen Shin Gothic Medium" panose="020B0402020203020207" pitchFamily="34" charset="-128"/>
-              <a:cs typeface="Gen Shin Gothic Medium" panose="020B0402020203020207" pitchFamily="34" charset="-128"/>
+          <a:lstStyle/>
+          <a:p>
+            <a:r>
+              <a:rPr lang="ja-JP" altLang="en-US" sz="2800">
+                <a:latin typeface="Gen Shin Gothic" panose="020B0302020203020207" pitchFamily="34" charset="-128"/>
+                <a:ea typeface="Gen Shin Gothic" panose="020B0302020203020207" pitchFamily="34" charset="-128"/>
+                <a:cs typeface="Gen Shin Gothic" panose="020B0302020203020207" pitchFamily="34" charset="-128"/>
+              </a:rPr>
+              <a:t>次のエラーメッセージが出た場合は</a:t>
+            </a:r>
+            <a:endParaRPr lang="en-US" altLang="ja-JP" sz="2800" dirty="0">
+              <a:latin typeface="Gen Shin Gothic" panose="020B0302020203020207" pitchFamily="34" charset="-128"/>
+              <a:ea typeface="Gen Shin Gothic" panose="020B0302020203020207" pitchFamily="34" charset="-128"/>
+              <a:cs typeface="Gen Shin Gothic" panose="020B0302020203020207" pitchFamily="34" charset="-128"/>
             </a:endParaRPr>
           </a:p>
           <a:p>
-            <a:pPr marL="0" indent="0" algn="r">
-              <a:buNone/>
-            </a:pPr>
-            <a:r>
-              <a:rPr lang="en-US" altLang="ja-JP" dirty="0">
-                <a:latin typeface="Gen Shin Gothic Medium" panose="020B0402020203020207" pitchFamily="34" charset="-128"/>
-                <a:ea typeface="Gen Shin Gothic Medium" panose="020B0402020203020207" pitchFamily="34" charset="-128"/>
-                <a:cs typeface="Gen Shin Gothic Medium" panose="020B0402020203020207" pitchFamily="34" charset="-128"/>
-              </a:rPr>
-              <a:t>(Index)</a:t>
-            </a:r>
-            <a:endParaRPr lang="ja-JP" altLang="en-US">
-              <a:latin typeface="Gen Shin Gothic Medium" panose="020B0402020203020207" pitchFamily="34" charset="-128"/>
-              <a:ea typeface="Gen Shin Gothic Medium" panose="020B0402020203020207" pitchFamily="34" charset="-128"/>
-              <a:cs typeface="Gen Shin Gothic Medium" panose="020B0402020203020207" pitchFamily="34" charset="-128"/>
-            </a:endParaRPr>
-          </a:p>
-          <a:p>
-            <a:pPr marL="0" indent="0" algn="r">
-              <a:buNone/>
-            </a:pPr>
-            <a:r>
-              <a:rPr lang="en-US" altLang="ja-JP" dirty="0">
-                <a:latin typeface="Gen Shin Gothic Medium" panose="020B0402020203020207" pitchFamily="34" charset="-128"/>
-                <a:ea typeface="Gen Shin Gothic Medium" panose="020B0402020203020207" pitchFamily="34" charset="-128"/>
-                <a:cs typeface="Gen Shin Gothic Medium" panose="020B0402020203020207" pitchFamily="34" charset="-128"/>
-              </a:rPr>
-              <a:t>(HEAD)</a:t>
-            </a:r>
-            <a:endParaRPr lang="ja-JP" altLang="en-US">
-              <a:latin typeface="Gen Shin Gothic Medium" panose="020B0402020203020207" pitchFamily="34" charset="-128"/>
-              <a:ea typeface="Gen Shin Gothic Medium" panose="020B0402020203020207" pitchFamily="34" charset="-128"/>
-              <a:cs typeface="Gen Shin Gothic Medium" panose="020B0402020203020207" pitchFamily="34" charset="-128"/>
-            </a:endParaRPr>
-          </a:p>
-        </p:txBody>
-      </p:sp>
-      <p:sp>
-        <p:nvSpPr>
-          <p:cNvPr id="5" name="コンテンツ プレースホルダー 2">
-            <a:extLst>
-              <a:ext uri="{FF2B5EF4-FFF2-40B4-BE49-F238E27FC236}">
-                <a16:creationId xmlns:a16="http://schemas.microsoft.com/office/drawing/2014/main" id="{9B7BA5C9-46A4-5D4F-A848-B8FF446525C4}"/>
-              </a:ext>
-            </a:extLst>
-          </p:cNvPr>
-          <p:cNvSpPr txBox="1">
-            <a:spLocks/>
-          </p:cNvSpPr>
-          <p:nvPr/>
-        </p:nvSpPr>
-        <p:spPr>
-          <a:xfrm>
-            <a:off x="628650" y="3773215"/>
-            <a:ext cx="7886700" cy="2403748"/>
-          </a:xfrm>
-          <a:prstGeom prst="rect">
-            <a:avLst/>
-          </a:prstGeom>
-        </p:spPr>
-        <p:txBody>
-          <a:bodyPr/>
-          <a:lstStyle>
-            <a:lvl1pPr marL="228600" indent="-228600" algn="l" defTabSz="914400" rtl="0" eaLnBrk="1" latinLnBrk="0" hangingPunct="1">
-              <a:lnSpc>
-                <a:spcPct val="90000"/>
-              </a:lnSpc>
-              <a:spcBef>
-                <a:spcPts val="1000"/>
-              </a:spcBef>
-              <a:buFont typeface="Arial" panose="020B0604020202020204" pitchFamily="34" charset="0"/>
-              <a:buChar char="•"/>
-              <a:defRPr kumimoji="1" sz="2800" kern="1200">
-                <a:solidFill>
-                  <a:schemeClr val="tx1"/>
-                </a:solidFill>
-                <a:latin typeface="+mn-lt"/>
-                <a:ea typeface="+mn-ea"/>
-                <a:cs typeface="+mn-cs"/>
-              </a:defRPr>
-            </a:lvl1pPr>
-            <a:lvl2pPr marL="685800" indent="-228600" algn="l" defTabSz="914400" rtl="0" eaLnBrk="1" latinLnBrk="0" hangingPunct="1">
-              <a:lnSpc>
-                <a:spcPct val="90000"/>
-              </a:lnSpc>
-              <a:spcBef>
-                <a:spcPts val="500"/>
-              </a:spcBef>
-              <a:buFont typeface="Arial" panose="020B0604020202020204" pitchFamily="34" charset="0"/>
-              <a:buChar char="•"/>
-              <a:defRPr kumimoji="1" sz="2400" kern="1200">
-                <a:solidFill>
-                  <a:schemeClr val="tx1"/>
-                </a:solidFill>
-                <a:latin typeface="+mn-lt"/>
-                <a:ea typeface="+mn-ea"/>
-                <a:cs typeface="+mn-cs"/>
-              </a:defRPr>
-            </a:lvl2pPr>
-            <a:lvl3pPr marL="1143000" indent="-228600" algn="l" defTabSz="914400" rtl="0" eaLnBrk="1" latinLnBrk="0" hangingPunct="1">
-              <a:lnSpc>
-                <a:spcPct val="90000"/>
-              </a:lnSpc>
-              <a:spcBef>
-                <a:spcPts val="500"/>
-              </a:spcBef>
-              <a:buFont typeface="Arial" panose="020B0604020202020204" pitchFamily="34" charset="0"/>
-              <a:buChar char="•"/>
-              <a:defRPr kumimoji="1" sz="2000" kern="1200">
-                <a:solidFill>
-                  <a:schemeClr val="tx1"/>
-                </a:solidFill>
-                <a:latin typeface="+mn-lt"/>
-                <a:ea typeface="+mn-ea"/>
-                <a:cs typeface="+mn-cs"/>
-              </a:defRPr>
-            </a:lvl3pPr>
-            <a:lvl4pPr marL="1600200" indent="-228600" algn="l" defTabSz="914400" rtl="0" eaLnBrk="1" latinLnBrk="0" hangingPunct="1">
-              <a:lnSpc>
-                <a:spcPct val="90000"/>
-              </a:lnSpc>
-              <a:spcBef>
-                <a:spcPts val="500"/>
-              </a:spcBef>
-              <a:buFont typeface="Arial" panose="020B0604020202020204" pitchFamily="34" charset="0"/>
-              <a:buChar char="•"/>
-              <a:defRPr kumimoji="1" sz="1800" kern="1200">
-                <a:solidFill>
-                  <a:schemeClr val="tx1"/>
-                </a:solidFill>
-                <a:latin typeface="+mn-lt"/>
-                <a:ea typeface="+mn-ea"/>
-                <a:cs typeface="+mn-cs"/>
-              </a:defRPr>
-            </a:lvl4pPr>
-            <a:lvl5pPr marL="2057400" indent="-228600" algn="l" defTabSz="914400" rtl="0" eaLnBrk="1" latinLnBrk="0" hangingPunct="1">
-              <a:lnSpc>
-                <a:spcPct val="90000"/>
-              </a:lnSpc>
-              <a:spcBef>
-                <a:spcPts val="500"/>
-              </a:spcBef>
-              <a:buFont typeface="Arial" panose="020B0604020202020204" pitchFamily="34" charset="0"/>
-              <a:buChar char="•"/>
-              <a:defRPr kumimoji="1" sz="1800" kern="1200">
-                <a:solidFill>
-                  <a:schemeClr val="tx1"/>
-                </a:solidFill>
-                <a:latin typeface="+mn-lt"/>
-                <a:ea typeface="+mn-ea"/>
-                <a:cs typeface="+mn-cs"/>
-              </a:defRPr>
-            </a:lvl5pPr>
-            <a:lvl6pPr marL="2514600" indent="-228600" algn="l" defTabSz="914400" rtl="0" eaLnBrk="1" latinLnBrk="0" hangingPunct="1">
-              <a:lnSpc>
-                <a:spcPct val="90000"/>
-              </a:lnSpc>
-              <a:spcBef>
-                <a:spcPts val="500"/>
-              </a:spcBef>
-              <a:buFont typeface="Arial" panose="020B0604020202020204" pitchFamily="34" charset="0"/>
-              <a:buChar char="•"/>
-              <a:defRPr kumimoji="1" sz="1800" kern="1200">
-                <a:solidFill>
-                  <a:schemeClr val="tx1"/>
-                </a:solidFill>
-                <a:latin typeface="+mn-lt"/>
-                <a:ea typeface="+mn-ea"/>
-                <a:cs typeface="+mn-cs"/>
-              </a:defRPr>
-            </a:lvl6pPr>
-            <a:lvl7pPr marL="2971800" indent="-228600" algn="l" defTabSz="914400" rtl="0" eaLnBrk="1" latinLnBrk="0" hangingPunct="1">
-              <a:lnSpc>
-                <a:spcPct val="90000"/>
-              </a:lnSpc>
-              <a:spcBef>
-                <a:spcPts val="500"/>
-              </a:spcBef>
-              <a:buFont typeface="Arial" panose="020B0604020202020204" pitchFamily="34" charset="0"/>
-              <a:buChar char="•"/>
-              <a:defRPr kumimoji="1" sz="1800" kern="1200">
-                <a:solidFill>
-                  <a:schemeClr val="tx1"/>
-                </a:solidFill>
-                <a:latin typeface="+mn-lt"/>
-                <a:ea typeface="+mn-ea"/>
-                <a:cs typeface="+mn-cs"/>
-              </a:defRPr>
-            </a:lvl7pPr>
-            <a:lvl8pPr marL="3429000" indent="-228600" algn="l" defTabSz="914400" rtl="0" eaLnBrk="1" latinLnBrk="0" hangingPunct="1">
-              <a:lnSpc>
-                <a:spcPct val="90000"/>
-              </a:lnSpc>
-              <a:spcBef>
-                <a:spcPts val="500"/>
-              </a:spcBef>
-              <a:buFont typeface="Arial" panose="020B0604020202020204" pitchFamily="34" charset="0"/>
-              <a:buChar char="•"/>
-              <a:defRPr kumimoji="1" sz="1800" kern="1200">
-                <a:solidFill>
-                  <a:schemeClr val="tx1"/>
-                </a:solidFill>
-                <a:latin typeface="+mn-lt"/>
-                <a:ea typeface="+mn-ea"/>
-                <a:cs typeface="+mn-cs"/>
-              </a:defRPr>
-            </a:lvl8pPr>
-            <a:lvl9pPr marL="3886200" indent="-228600" algn="l" defTabSz="914400" rtl="0" eaLnBrk="1" latinLnBrk="0" hangingPunct="1">
-              <a:lnSpc>
-                <a:spcPct val="90000"/>
-              </a:lnSpc>
-              <a:spcBef>
-                <a:spcPts val="500"/>
-              </a:spcBef>
-              <a:buFont typeface="Arial" panose="020B0604020202020204" pitchFamily="34" charset="0"/>
-              <a:buChar char="•"/>
-              <a:defRPr kumimoji="1" sz="1800" kern="1200">
-                <a:solidFill>
-                  <a:schemeClr val="tx1"/>
-                </a:solidFill>
-                <a:latin typeface="+mn-lt"/>
-                <a:ea typeface="+mn-ea"/>
-                <a:cs typeface="+mn-cs"/>
-              </a:defRPr>
-            </a:lvl9pPr>
-          </a:lstStyle>
-          <a:p>
-            <a:pPr marL="0" indent="0">
-              <a:buNone/>
-            </a:pPr>
-            <a:r>
-              <a:rPr lang="ja-JP" altLang="en-US">
-                <a:latin typeface="Gen Shin Gothic Medium" panose="020B0402020203020207" pitchFamily="34" charset="-128"/>
-                <a:ea typeface="Gen Shin Gothic Medium" panose="020B0402020203020207" pitchFamily="34" charset="-128"/>
-                <a:cs typeface="Gen Shin Gothic Medium" panose="020B0402020203020207" pitchFamily="34" charset="-128"/>
-              </a:rPr>
-              <a:t>この３つの段階を踏んでコミットを作る</a:t>
+            <a:r>
+              <a:rPr lang="ja-JP" altLang="en-US" sz="2800">
+                <a:latin typeface="Gen Shin Gothic" panose="020B0302020203020207" pitchFamily="34" charset="-128"/>
+                <a:ea typeface="Gen Shin Gothic" panose="020B0302020203020207" pitchFamily="34" charset="-128"/>
+                <a:cs typeface="Gen Shin Gothic" panose="020B0302020203020207" pitchFamily="34" charset="-128"/>
+              </a:rPr>
+              <a:t>「誰が？」の部分が足りない</a:t>
             </a:r>
           </a:p>
         </p:txBody>
@@ -7718,7 +8663,7 @@
     </p:spTree>
     <p:extLst>
       <p:ext uri="{BB962C8B-B14F-4D97-AF65-F5344CB8AC3E}">
-        <p14:creationId xmlns:p14="http://schemas.microsoft.com/office/powerpoint/2010/main" val="3423140899"/>
+        <p14:creationId xmlns:p14="http://schemas.microsoft.com/office/powerpoint/2010/main" val="102141135"/>
       </p:ext>
     </p:extLst>
   </p:cSld>

--- a/slide/part1.pptx
+++ b/slide/part1.pptx
@@ -4925,6 +4925,240 @@
               </a:rPr>
               <a:t>保存する前なのでブロブがない</a:t>
             </a:r>
+            <a:endParaRPr lang="en-US" altLang="ja-JP" dirty="0">
+              <a:latin typeface="Gen Shin Gothic Medium" panose="020B0402020203020207" pitchFamily="34" charset="-128"/>
+              <a:ea typeface="Gen Shin Gothic Medium" panose="020B0402020203020207" pitchFamily="34" charset="-128"/>
+              <a:cs typeface="Gen Shin Gothic Medium" panose="020B0402020203020207" pitchFamily="34" charset="-128"/>
+            </a:endParaRPr>
+          </a:p>
+          <a:p>
+            <a:pPr marL="0" indent="0">
+              <a:buNone/>
+            </a:pPr>
+            <a:endParaRPr lang="en-US" altLang="ja-JP" dirty="0">
+              <a:latin typeface="Gen Shin Gothic Medium" panose="020B0402020203020207" pitchFamily="34" charset="-128"/>
+              <a:ea typeface="Gen Shin Gothic Medium" panose="020B0402020203020207" pitchFamily="34" charset="-128"/>
+              <a:cs typeface="Gen Shin Gothic Medium" panose="020B0402020203020207" pitchFamily="34" charset="-128"/>
+            </a:endParaRPr>
+          </a:p>
+          <a:p>
+            <a:pPr marL="0" indent="0">
+              <a:buNone/>
+            </a:pPr>
+            <a:r>
+              <a:rPr lang="ja-JP" altLang="en-US">
+                <a:latin typeface="Gen Shin Gothic Medium" panose="020B0402020203020207" pitchFamily="34" charset="-128"/>
+                <a:ea typeface="Gen Shin Gothic Medium" panose="020B0402020203020207" pitchFamily="34" charset="-128"/>
+                <a:cs typeface="Gen Shin Gothic Medium" panose="020B0402020203020207" pitchFamily="34" charset="-128"/>
+              </a:rPr>
+              <a:t>試しに</a:t>
+            </a:r>
+            <a:r>
+              <a:rPr lang="en-US" altLang="ja-JP" dirty="0">
+                <a:latin typeface="Gen Shin Gothic Medium" panose="020B0402020203020207" pitchFamily="34" charset="-128"/>
+                <a:ea typeface="Gen Shin Gothic Medium" panose="020B0402020203020207" pitchFamily="34" charset="-128"/>
+                <a:cs typeface="Gen Shin Gothic Medium" panose="020B0402020203020207" pitchFamily="34" charset="-128"/>
+              </a:rPr>
+              <a:t> </a:t>
+            </a:r>
+            <a:r>
+              <a:rPr lang="en-US" altLang="ja-JP" dirty="0" err="1">
+                <a:latin typeface="Gen Shin Gothic Medium" panose="020B0402020203020207" pitchFamily="34" charset="-128"/>
+                <a:ea typeface="Gen Shin Gothic Medium" panose="020B0402020203020207" pitchFamily="34" charset="-128"/>
+                <a:cs typeface="Gen Shin Gothic Medium" panose="020B0402020203020207" pitchFamily="34" charset="-128"/>
+              </a:rPr>
+              <a:t>sample.csv</a:t>
+            </a:r>
+            <a:r>
+              <a:rPr lang="en-US" altLang="ja-JP" dirty="0">
+                <a:latin typeface="Gen Shin Gothic Medium" panose="020B0402020203020207" pitchFamily="34" charset="-128"/>
+                <a:ea typeface="Gen Shin Gothic Medium" panose="020B0402020203020207" pitchFamily="34" charset="-128"/>
+                <a:cs typeface="Gen Shin Gothic Medium" panose="020B0402020203020207" pitchFamily="34" charset="-128"/>
+              </a:rPr>
+              <a:t> </a:t>
+            </a:r>
+            <a:r>
+              <a:rPr lang="ja-JP" altLang="en-US">
+                <a:latin typeface="Gen Shin Gothic Medium" panose="020B0402020203020207" pitchFamily="34" charset="-128"/>
+                <a:ea typeface="Gen Shin Gothic Medium" panose="020B0402020203020207" pitchFamily="34" charset="-128"/>
+                <a:cs typeface="Gen Shin Gothic Medium" panose="020B0402020203020207" pitchFamily="34" charset="-128"/>
+              </a:rPr>
+              <a:t>を書き換えてみよう</a:t>
+            </a:r>
+          </a:p>
+        </p:txBody>
+      </p:sp>
+      <p:sp>
+        <p:nvSpPr>
+          <p:cNvPr id="2" name="正方形/長方形 1">
+            <a:extLst>
+              <a:ext uri="{FF2B5EF4-FFF2-40B4-BE49-F238E27FC236}">
+                <a16:creationId xmlns:a16="http://schemas.microsoft.com/office/drawing/2014/main" id="{5953F8F5-A409-8842-9F35-CFC5E5CF17F9}"/>
+              </a:ext>
+            </a:extLst>
+          </p:cNvPr>
+          <p:cNvSpPr/>
+          <p:nvPr/>
+        </p:nvSpPr>
+        <p:spPr>
+          <a:xfrm>
+            <a:off x="1130643" y="4322966"/>
+            <a:ext cx="6882713" cy="1477328"/>
+          </a:xfrm>
+          <a:prstGeom prst="rect">
+            <a:avLst/>
+          </a:prstGeom>
+          <a:solidFill>
+            <a:schemeClr val="tx1"/>
+          </a:solidFill>
+        </p:spPr>
+        <p:txBody>
+          <a:bodyPr wrap="square">
+            <a:spAutoFit/>
+          </a:bodyPr>
+          <a:lstStyle/>
+          <a:p>
+            <a:r>
+              <a:rPr lang="en" altLang="ja-JP" dirty="0">
+                <a:solidFill>
+                  <a:srgbClr val="34BBC8"/>
+                </a:solidFill>
+                <a:latin typeface="Andale Mono" panose="020B0509000000000004" pitchFamily="49" charset="0"/>
+              </a:rPr>
+              <a:t>@@ -1,3 +1,3 @@</a:t>
+            </a:r>
+          </a:p>
+          <a:p>
+            <a:r>
+              <a:rPr lang="en" altLang="ja-JP" dirty="0">
+                <a:solidFill>
+                  <a:srgbClr val="C33720"/>
+                </a:solidFill>
+                <a:latin typeface="Andale Mono" panose="020B0509000000000004" pitchFamily="49" charset="0"/>
+              </a:rPr>
+              <a:t>-71,fb2735f5-88f3-48ec-8b7a-109c1cfea7f0,</a:t>
+            </a:r>
+            <a:r>
+              <a:rPr lang="ja-JP" altLang="en-US">
+                <a:solidFill>
+                  <a:srgbClr val="C33720"/>
+                </a:solidFill>
+                <a:latin typeface="Andale Mono" panose="020B0509000000000004" pitchFamily="49" charset="0"/>
+              </a:rPr>
+              <a:t>田中 愛菜</a:t>
+            </a:r>
+          </a:p>
+          <a:p>
+            <a:r>
+              <a:rPr lang="en-US" altLang="ja-JP" dirty="0">
+                <a:solidFill>
+                  <a:srgbClr val="34BC26"/>
+                </a:solidFill>
+                <a:latin typeface="Andale Mono" panose="020B0509000000000004" pitchFamily="49" charset="0"/>
+              </a:rPr>
+              <a:t>+72,</a:t>
+            </a:r>
+            <a:r>
+              <a:rPr lang="en" altLang="ja-JP" dirty="0">
+                <a:solidFill>
+                  <a:srgbClr val="34BC26"/>
+                </a:solidFill>
+                <a:latin typeface="Andale Mono" panose="020B0509000000000004" pitchFamily="49" charset="0"/>
+              </a:rPr>
+              <a:t>fb2735f5-88f3-48ec-8b7a-109c1cfea7f0,</a:t>
+            </a:r>
+            <a:r>
+              <a:rPr lang="ja-JP" altLang="en-US">
+                <a:solidFill>
+                  <a:srgbClr val="34BC26"/>
+                </a:solidFill>
+                <a:latin typeface="Andale Mono" panose="020B0509000000000004" pitchFamily="49" charset="0"/>
+              </a:rPr>
+              <a:t>田中 愛菜</a:t>
+            </a:r>
+          </a:p>
+          <a:p>
+            <a:r>
+              <a:rPr lang="ja-JP" altLang="en-US">
+                <a:solidFill>
+                  <a:srgbClr val="28FE14"/>
+                </a:solidFill>
+                <a:latin typeface="Andale Mono" panose="020B0509000000000004" pitchFamily="49" charset="0"/>
+              </a:rPr>
+              <a:t> </a:t>
+            </a:r>
+            <a:r>
+              <a:rPr lang="en-US" altLang="ja-JP" dirty="0">
+                <a:solidFill>
+                  <a:srgbClr val="28FE14"/>
+                </a:solidFill>
+                <a:latin typeface="Andale Mono" panose="020B0509000000000004" pitchFamily="49" charset="0"/>
+              </a:rPr>
+              <a:t>83,</a:t>
+            </a:r>
+            <a:r>
+              <a:rPr lang="en" altLang="ja-JP" dirty="0">
+                <a:solidFill>
+                  <a:srgbClr val="28FE14"/>
+                </a:solidFill>
+                <a:latin typeface="Andale Mono" panose="020B0509000000000004" pitchFamily="49" charset="0"/>
+              </a:rPr>
+              <a:t>bd3f7e8f-99c4-4882-b0be-5cc26670f92a,</a:t>
+            </a:r>
+            <a:r>
+              <a:rPr lang="ja-JP" altLang="en-US">
+                <a:solidFill>
+                  <a:srgbClr val="28FE14"/>
+                </a:solidFill>
+                <a:latin typeface="Andale Mono" panose="020B0509000000000004" pitchFamily="49" charset="0"/>
+              </a:rPr>
+              <a:t>山本 美咲</a:t>
+            </a:r>
+          </a:p>
+          <a:p>
+            <a:r>
+              <a:rPr lang="ja-JP" altLang="en-US">
+                <a:solidFill>
+                  <a:srgbClr val="28FE14"/>
+                </a:solidFill>
+                <a:latin typeface="Andale Mono" panose="020B0509000000000004" pitchFamily="49" charset="0"/>
+              </a:rPr>
+              <a:t> </a:t>
+            </a:r>
+            <a:r>
+              <a:rPr lang="en-US" altLang="ja-JP" dirty="0">
+                <a:solidFill>
+                  <a:srgbClr val="28FE14"/>
+                </a:solidFill>
+                <a:latin typeface="Andale Mono" panose="020B0509000000000004" pitchFamily="49" charset="0"/>
+              </a:rPr>
+              <a:t>51,</a:t>
+            </a:r>
+            <a:r>
+              <a:rPr lang="en" altLang="ja-JP" dirty="0">
+                <a:solidFill>
+                  <a:srgbClr val="28FE14"/>
+                </a:solidFill>
+                <a:latin typeface="Andale Mono" panose="020B0509000000000004" pitchFamily="49" charset="0"/>
+              </a:rPr>
+              <a:t>ccf3a690-d087-4c69-b843-ccf7b1f393ed,</a:t>
+            </a:r>
+            <a:r>
+              <a:rPr lang="ja-JP" altLang="en-US">
+                <a:solidFill>
+                  <a:srgbClr val="28FE14"/>
+                </a:solidFill>
+                <a:latin typeface="Andale Mono" panose="020B0509000000000004" pitchFamily="49" charset="0"/>
+              </a:rPr>
+              <a:t>鈴木 大翔</a:t>
+            </a:r>
+            <a:endParaRPr lang="ja-JP" altLang="en-US">
+              <a:solidFill>
+                <a:srgbClr val="28FE14"/>
+              </a:solidFill>
+              <a:effectLst/>
+              <a:latin typeface="Andale Mono" panose="020B0509000000000004" pitchFamily="49" charset="0"/>
+            </a:endParaRPr>
           </a:p>
         </p:txBody>
       </p:sp>
@@ -5207,8 +5441,124 @@
               <a:cs typeface="Gen Shin Gothic Medium" panose="020B0402020203020207" pitchFamily="34" charset="-128"/>
             </a:endParaRPr>
           </a:p>
-        </p:txBody>
-      </p:sp>
+          <a:p>
+            <a:pPr marL="0" indent="0">
+              <a:buNone/>
+            </a:pPr>
+            <a:endParaRPr lang="en-US" altLang="ja-JP" dirty="0">
+              <a:latin typeface="Gen Shin Gothic Medium" panose="020B0402020203020207" pitchFamily="34" charset="-128"/>
+              <a:ea typeface="Gen Shin Gothic Medium" panose="020B0402020203020207" pitchFamily="34" charset="-128"/>
+              <a:cs typeface="Gen Shin Gothic Medium" panose="020B0402020203020207" pitchFamily="34" charset="-128"/>
+            </a:endParaRPr>
+          </a:p>
+          <a:p>
+            <a:pPr marL="0" indent="0">
+              <a:buNone/>
+            </a:pPr>
+            <a:r>
+              <a:rPr lang="ja-JP" altLang="en-US">
+                <a:latin typeface="Gen Shin Gothic Medium" panose="020B0402020203020207" pitchFamily="34" charset="-128"/>
+                <a:ea typeface="Gen Shin Gothic Medium" panose="020B0402020203020207" pitchFamily="34" charset="-128"/>
+                <a:cs typeface="Gen Shin Gothic Medium" panose="020B0402020203020207" pitchFamily="34" charset="-128"/>
+              </a:rPr>
+              <a:t>次のコマンドで持ち上げれる</a:t>
+            </a:r>
+            <a:endParaRPr lang="en-US" altLang="ja-JP" dirty="0">
+              <a:latin typeface="Gen Shin Gothic Medium" panose="020B0402020203020207" pitchFamily="34" charset="-128"/>
+              <a:ea typeface="Gen Shin Gothic Medium" panose="020B0402020203020207" pitchFamily="34" charset="-128"/>
+              <a:cs typeface="Gen Shin Gothic Medium" panose="020B0402020203020207" pitchFamily="34" charset="-128"/>
+            </a:endParaRPr>
+          </a:p>
+        </p:txBody>
+      </p:sp>
+      <p:sp>
+        <p:nvSpPr>
+          <p:cNvPr id="2" name="正方形/長方形 1">
+            <a:extLst>
+              <a:ext uri="{FF2B5EF4-FFF2-40B4-BE49-F238E27FC236}">
+                <a16:creationId xmlns:a16="http://schemas.microsoft.com/office/drawing/2014/main" id="{B87BDE2F-6C44-514B-BACC-4EC494B9707E}"/>
+              </a:ext>
+            </a:extLst>
+          </p:cNvPr>
+          <p:cNvSpPr/>
+          <p:nvPr/>
+        </p:nvSpPr>
+        <p:spPr>
+          <a:xfrm>
+            <a:off x="826358" y="3643394"/>
+            <a:ext cx="2941831" cy="369332"/>
+          </a:xfrm>
+          <a:prstGeom prst="rect">
+            <a:avLst/>
+          </a:prstGeom>
+          <a:solidFill>
+            <a:schemeClr val="tx1"/>
+          </a:solidFill>
+        </p:spPr>
+        <p:txBody>
+          <a:bodyPr wrap="none">
+            <a:spAutoFit/>
+          </a:bodyPr>
+          <a:lstStyle/>
+          <a:p>
+            <a:r>
+              <a:rPr lang="en" altLang="ja-JP" dirty="0">
+                <a:solidFill>
+                  <a:srgbClr val="28FE14"/>
+                </a:solidFill>
+                <a:latin typeface="Andale Mono" panose="020B0509000000000004" pitchFamily="49" charset="0"/>
+              </a:rPr>
+              <a:t>$ git add </a:t>
+            </a:r>
+            <a:r>
+              <a:rPr lang="en" altLang="ja-JP" dirty="0" err="1">
+                <a:solidFill>
+                  <a:srgbClr val="28FE14"/>
+                </a:solidFill>
+                <a:latin typeface="Andale Mono" panose="020B0509000000000004" pitchFamily="49" charset="0"/>
+              </a:rPr>
+              <a:t>sample.csv</a:t>
+            </a:r>
+            <a:endParaRPr lang="en" altLang="ja-JP" dirty="0">
+              <a:solidFill>
+                <a:srgbClr val="28FE14"/>
+              </a:solidFill>
+              <a:effectLst/>
+              <a:latin typeface="Andale Mono" panose="020B0509000000000004" pitchFamily="49" charset="0"/>
+            </a:endParaRPr>
+          </a:p>
+        </p:txBody>
+      </p:sp>
+      <p:pic>
+        <p:nvPicPr>
+          <p:cNvPr id="5" name="図 4">
+            <a:extLst>
+              <a:ext uri="{FF2B5EF4-FFF2-40B4-BE49-F238E27FC236}">
+                <a16:creationId xmlns:a16="http://schemas.microsoft.com/office/drawing/2014/main" id="{3AFE3122-FFE2-C245-98AA-58D7D111CA16}"/>
+              </a:ext>
+            </a:extLst>
+          </p:cNvPr>
+          <p:cNvPicPr>
+            <a:picLocks noChangeAspect="1"/>
+          </p:cNvPicPr>
+          <p:nvPr/>
+        </p:nvPicPr>
+        <p:blipFill>
+          <a:blip r:embed="rId2"/>
+          <a:stretch>
+            <a:fillRect/>
+          </a:stretch>
+        </p:blipFill>
+        <p:spPr>
+          <a:xfrm>
+            <a:off x="3331421" y="4708225"/>
+            <a:ext cx="2481157" cy="1389448"/>
+          </a:xfrm>
+          <a:prstGeom prst="rect">
+            <a:avLst/>
+          </a:prstGeom>
+        </p:spPr>
+      </p:pic>
     </p:spTree>
     <p:extLst>
       <p:ext uri="{BB962C8B-B14F-4D97-AF65-F5344CB8AC3E}">
@@ -5298,7 +5648,7 @@
         <p:spPr>
           <a:xfrm>
             <a:off x="628650" y="1825625"/>
-            <a:ext cx="7886700" cy="4351338"/>
+            <a:ext cx="7886700" cy="1671337"/>
           </a:xfrm>
           <a:prstGeom prst="rect">
             <a:avLst/>
@@ -5486,6 +5836,168 @@
               <a:latin typeface="Gen Shin Gothic Medium" panose="020B0402020203020207" pitchFamily="34" charset="-128"/>
               <a:ea typeface="Gen Shin Gothic Medium" panose="020B0402020203020207" pitchFamily="34" charset="-128"/>
               <a:cs typeface="Gen Shin Gothic Medium" panose="020B0402020203020207" pitchFamily="34" charset="-128"/>
+            </a:endParaRPr>
+          </a:p>
+          <a:p>
+            <a:pPr marL="0" indent="0">
+              <a:buNone/>
+            </a:pPr>
+            <a:endParaRPr lang="en-US" altLang="ja-JP" dirty="0">
+              <a:latin typeface="Gen Shin Gothic Medium" panose="020B0402020203020207" pitchFamily="34" charset="-128"/>
+              <a:ea typeface="Gen Shin Gothic Medium" panose="020B0402020203020207" pitchFamily="34" charset="-128"/>
+              <a:cs typeface="Gen Shin Gothic Medium" panose="020B0402020203020207" pitchFamily="34" charset="-128"/>
+            </a:endParaRPr>
+          </a:p>
+          <a:p>
+            <a:pPr marL="0" indent="0">
+              <a:buNone/>
+            </a:pPr>
+            <a:r>
+              <a:rPr lang="ja-JP" altLang="en-US">
+                <a:latin typeface="Gen Shin Gothic Medium" panose="020B0402020203020207" pitchFamily="34" charset="-128"/>
+                <a:ea typeface="Gen Shin Gothic Medium" panose="020B0402020203020207" pitchFamily="34" charset="-128"/>
+                <a:cs typeface="Gen Shin Gothic Medium" panose="020B0402020203020207" pitchFamily="34" charset="-128"/>
+              </a:rPr>
+              <a:t>試しにコミットを作ってみましょう</a:t>
+            </a:r>
+            <a:endParaRPr lang="en-US" altLang="ja-JP" dirty="0">
+              <a:latin typeface="Gen Shin Gothic Medium" panose="020B0402020203020207" pitchFamily="34" charset="-128"/>
+              <a:ea typeface="Gen Shin Gothic Medium" panose="020B0402020203020207" pitchFamily="34" charset="-128"/>
+              <a:cs typeface="Gen Shin Gothic Medium" panose="020B0402020203020207" pitchFamily="34" charset="-128"/>
+            </a:endParaRPr>
+          </a:p>
+        </p:txBody>
+      </p:sp>
+      <p:pic>
+        <p:nvPicPr>
+          <p:cNvPr id="6" name="図 5">
+            <a:extLst>
+              <a:ext uri="{FF2B5EF4-FFF2-40B4-BE49-F238E27FC236}">
+                <a16:creationId xmlns:a16="http://schemas.microsoft.com/office/drawing/2014/main" id="{54974A69-6622-DC4D-894A-D50ED3EB9D4C}"/>
+              </a:ext>
+            </a:extLst>
+          </p:cNvPr>
+          <p:cNvPicPr>
+            <a:picLocks noChangeAspect="1"/>
+          </p:cNvPicPr>
+          <p:nvPr/>
+        </p:nvPicPr>
+        <p:blipFill>
+          <a:blip r:embed="rId2"/>
+          <a:stretch>
+            <a:fillRect/>
+          </a:stretch>
+        </p:blipFill>
+        <p:spPr>
+          <a:xfrm>
+            <a:off x="628650" y="4652364"/>
+            <a:ext cx="1706777" cy="1621438"/>
+          </a:xfrm>
+          <a:prstGeom prst="rect">
+            <a:avLst/>
+          </a:prstGeom>
+        </p:spPr>
+      </p:pic>
+      <p:sp>
+        <p:nvSpPr>
+          <p:cNvPr id="2" name="正方形/長方形 1">
+            <a:extLst>
+              <a:ext uri="{FF2B5EF4-FFF2-40B4-BE49-F238E27FC236}">
+                <a16:creationId xmlns:a16="http://schemas.microsoft.com/office/drawing/2014/main" id="{0FEA4691-76DD-1F46-A89F-CB496592AD08}"/>
+              </a:ext>
+            </a:extLst>
+          </p:cNvPr>
+          <p:cNvSpPr/>
+          <p:nvPr/>
+        </p:nvSpPr>
+        <p:spPr>
+          <a:xfrm>
+            <a:off x="815546" y="3612998"/>
+            <a:ext cx="6635578" cy="923330"/>
+          </a:xfrm>
+          <a:prstGeom prst="rect">
+            <a:avLst/>
+          </a:prstGeom>
+          <a:solidFill>
+            <a:schemeClr val="tx1"/>
+          </a:solidFill>
+        </p:spPr>
+        <p:txBody>
+          <a:bodyPr wrap="square">
+            <a:spAutoFit/>
+          </a:bodyPr>
+          <a:lstStyle/>
+          <a:p>
+            <a:r>
+              <a:rPr lang="en" altLang="ja-JP" dirty="0">
+                <a:solidFill>
+                  <a:srgbClr val="28FE14"/>
+                </a:solidFill>
+                <a:latin typeface="Andale Mono" panose="020B0509000000000004" pitchFamily="49" charset="0"/>
+              </a:rPr>
+              <a:t>$ git commit -m "Change </a:t>
+            </a:r>
+            <a:r>
+              <a:rPr lang="en" altLang="ja-JP" dirty="0" err="1">
+                <a:solidFill>
+                  <a:srgbClr val="28FE14"/>
+                </a:solidFill>
+                <a:latin typeface="Andale Mono" panose="020B0509000000000004" pitchFamily="49" charset="0"/>
+              </a:rPr>
+              <a:t>sample.csv</a:t>
+            </a:r>
+            <a:r>
+              <a:rPr lang="en" altLang="ja-JP" dirty="0">
+                <a:solidFill>
+                  <a:srgbClr val="28FE14"/>
+                </a:solidFill>
+                <a:latin typeface="Andale Mono" panose="020B0509000000000004" pitchFamily="49" charset="0"/>
+              </a:rPr>
+              <a:t>"</a:t>
+            </a:r>
+          </a:p>
+          <a:p>
+            <a:r>
+              <a:rPr lang="en" altLang="ja-JP" dirty="0">
+                <a:solidFill>
+                  <a:srgbClr val="28FE14"/>
+                </a:solidFill>
+                <a:latin typeface="Andale Mono" panose="020B0509000000000004" pitchFamily="49" charset="0"/>
+              </a:rPr>
+              <a:t>[master 0757244] Change </a:t>
+            </a:r>
+            <a:r>
+              <a:rPr lang="en" altLang="ja-JP" dirty="0" err="1">
+                <a:solidFill>
+                  <a:srgbClr val="28FE14"/>
+                </a:solidFill>
+                <a:latin typeface="Andale Mono" panose="020B0509000000000004" pitchFamily="49" charset="0"/>
+              </a:rPr>
+              <a:t>sample.csv</a:t>
+            </a:r>
+            <a:endParaRPr lang="en" altLang="ja-JP" dirty="0">
+              <a:solidFill>
+                <a:srgbClr val="28FE14"/>
+              </a:solidFill>
+              <a:latin typeface="Andale Mono" panose="020B0509000000000004" pitchFamily="49" charset="0"/>
+            </a:endParaRPr>
+          </a:p>
+          <a:p>
+            <a:r>
+              <a:rPr lang="en" altLang="ja-JP" dirty="0">
+                <a:solidFill>
+                  <a:srgbClr val="28FE14"/>
+                </a:solidFill>
+                <a:latin typeface="Andale Mono" panose="020B0509000000000004" pitchFamily="49" charset="0"/>
+              </a:rPr>
+              <a:t> 1 file changed, 1 insertion(+), 1 deletion(-)</a:t>
+            </a:r>
+            <a:endParaRPr lang="en" altLang="ja-JP" dirty="0">
+              <a:solidFill>
+                <a:srgbClr val="28FE14"/>
+              </a:solidFill>
+              <a:effectLst/>
+              <a:latin typeface="Andale Mono" panose="020B0509000000000004" pitchFamily="49" charset="0"/>
             </a:endParaRPr>
           </a:p>
         </p:txBody>
@@ -8451,7 +8963,7 @@
         </p:nvSpPr>
         <p:spPr>
           <a:xfrm>
-            <a:off x="628650" y="2983675"/>
+            <a:off x="628650" y="2552787"/>
             <a:ext cx="7886700" cy="3416320"/>
           </a:xfrm>
           <a:prstGeom prst="rect">
@@ -8622,7 +9134,7 @@
         <p:spPr>
           <a:xfrm>
             <a:off x="628650" y="1860128"/>
-            <a:ext cx="7886700" cy="954107"/>
+            <a:ext cx="7886700" cy="523220"/>
           </a:xfrm>
           <a:prstGeom prst="rect">
             <a:avLst/>
@@ -8640,22 +9152,7 @@
                 <a:ea typeface="Gen Shin Gothic" panose="020B0302020203020207" pitchFamily="34" charset="-128"/>
                 <a:cs typeface="Gen Shin Gothic" panose="020B0302020203020207" pitchFamily="34" charset="-128"/>
               </a:rPr>
-              <a:t>次のエラーメッセージが出た場合は</a:t>
-            </a:r>
-            <a:endParaRPr lang="en-US" altLang="ja-JP" sz="2800" dirty="0">
-              <a:latin typeface="Gen Shin Gothic" panose="020B0302020203020207" pitchFamily="34" charset="-128"/>
-              <a:ea typeface="Gen Shin Gothic" panose="020B0302020203020207" pitchFamily="34" charset="-128"/>
-              <a:cs typeface="Gen Shin Gothic" panose="020B0302020203020207" pitchFamily="34" charset="-128"/>
-            </a:endParaRPr>
-          </a:p>
-          <a:p>
-            <a:r>
-              <a:rPr lang="ja-JP" altLang="en-US" sz="2800">
-                <a:latin typeface="Gen Shin Gothic" panose="020B0302020203020207" pitchFamily="34" charset="-128"/>
-                <a:ea typeface="Gen Shin Gothic" panose="020B0302020203020207" pitchFamily="34" charset="-128"/>
-                <a:cs typeface="Gen Shin Gothic" panose="020B0302020203020207" pitchFamily="34" charset="-128"/>
-              </a:rPr>
-              <a:t>「誰が？」の部分が足りない</a:t>
+              <a:t>次のエラーメッセージは「誰が？」が足りない</a:t>
             </a:r>
           </a:p>
         </p:txBody>
